--- a/Presentation2.pptx
+++ b/Presentation2.pptx
@@ -4646,7 +4646,7 @@
           <a:p>
             <a:r>
               <a:rPr lang="en-US" sz="1600" dirty="0"/>
-              <a:t>Query / Q&amp;A</a:t>
+              <a:t>Q&amp;A / Query</a:t>
             </a:r>
           </a:p>
         </p:txBody>
@@ -4666,14 +4666,14 @@
           <p:nvPr>
             <p:extLst>
               <p:ext uri="{D42A27DB-BD31-4B8C-83A1-F6EECF244321}">
-                <p14:modId xmlns:p14="http://schemas.microsoft.com/office/powerpoint/2010/main" val="3037338751"/>
+                <p14:modId xmlns:p14="http://schemas.microsoft.com/office/powerpoint/2010/main" val="1726955412"/>
               </p:ext>
             </p:extLst>
           </p:nvPr>
         </p:nvGraphicFramePr>
         <p:xfrm>
-          <a:off x="838200" y="1428826"/>
-          <a:ext cx="10515600" cy="1112520"/>
+          <a:off x="838200" y="768486"/>
+          <a:ext cx="10515600" cy="4881880"/>
         </p:xfrm>
         <a:graphic>
           <a:graphicData uri="http://schemas.openxmlformats.org/drawingml/2006/table">
@@ -4682,14 +4682,14 @@
                 <a:tableStyleId>{5C22544A-7EE6-4342-B048-85BDC9FD1C3A}</a:tableStyleId>
               </a:tblPr>
               <a:tblGrid>
-                <a:gridCol w="5257800">
+                <a:gridCol w="5309681">
                   <a:extLst>
                     <a:ext uri="{9D8B030D-6E8A-4147-A177-3AD203B41FA5}">
                       <a16:colId xmlns:a16="http://schemas.microsoft.com/office/drawing/2014/main" val="83331442"/>
                     </a:ext>
                   </a:extLst>
                 </a:gridCol>
-                <a:gridCol w="5257800">
+                <a:gridCol w="5205919">
                   <a:extLst>
                     <a:ext uri="{9D8B030D-6E8A-4147-A177-3AD203B41FA5}">
                       <a16:colId xmlns:a16="http://schemas.microsoft.com/office/drawing/2014/main" val="397181805"/>
@@ -4717,7 +4717,7 @@
                     <a:lstStyle/>
                     <a:p>
                       <a:r>
-                        <a:rPr lang="en-US"/>
+                        <a:rPr lang="en-US" dirty="0"/>
                         <a:t>Works</a:t>
                       </a:r>
                     </a:p>
@@ -4736,7 +4736,17 @@
                     <a:bodyPr/>
                     <a:lstStyle/>
                     <a:p>
-                      <a:endParaRPr lang="en-US"/>
+                      <a:r>
+                        <a:rPr lang="en-US" sz="1400" kern="1200" dirty="0">
+                          <a:solidFill>
+                            <a:schemeClr val="dk1"/>
+                          </a:solidFill>
+                          <a:latin typeface="+mn-lt"/>
+                          <a:ea typeface="+mn-ea"/>
+                          <a:cs typeface="+mn-cs"/>
+                        </a:rPr>
+                        <a:t>Ability of proactively leading the conversation with an explicit conversation goal</a:t>
+                      </a:r>
                     </a:p>
                   </a:txBody>
                   <a:tcPr/>
@@ -4746,7 +4756,34 @@
                     <a:bodyPr/>
                     <a:lstStyle/>
                     <a:p>
-                      <a:endParaRPr lang="en-US"/>
+                      <a:pPr marL="0" marR="0" lvl="0" indent="0" algn="l" defTabSz="914400" rtl="0" eaLnBrk="1" fontAlgn="auto" latinLnBrk="0" hangingPunct="1">
+                        <a:lnSpc>
+                          <a:spcPct val="100000"/>
+                        </a:lnSpc>
+                        <a:spcBef>
+                          <a:spcPts val="0"/>
+                        </a:spcBef>
+                        <a:spcAft>
+                          <a:spcPts val="0"/>
+                        </a:spcAft>
+                        <a:buClrTx/>
+                        <a:buSzTx/>
+                        <a:buFontTx/>
+                        <a:buNone/>
+                        <a:tabLst/>
+                        <a:defRPr/>
+                      </a:pPr>
+                      <a:r>
+                        <a:rPr lang="en-US" sz="1400" kern="1200" dirty="0">
+                          <a:solidFill>
+                            <a:schemeClr val="dk1"/>
+                          </a:solidFill>
+                          <a:latin typeface="+mn-lt"/>
+                          <a:ea typeface="+mn-ea"/>
+                          <a:cs typeface="+mn-cs"/>
+                        </a:rPr>
+                        <a:t>Planning dialogue strategy over a knowledge graph (ACL 2019)</a:t>
+                      </a:r>
                     </a:p>
                   </a:txBody>
                   <a:tcPr/>
@@ -4763,7 +4800,14 @@
                     <a:bodyPr/>
                     <a:lstStyle/>
                     <a:p>
-                      <a:endParaRPr lang="en-US"/>
+                      <a:endParaRPr lang="en-US" sz="1400" kern="1200" dirty="0">
+                        <a:solidFill>
+                          <a:schemeClr val="dk1"/>
+                        </a:solidFill>
+                        <a:latin typeface="+mn-lt"/>
+                        <a:ea typeface="+mn-ea"/>
+                        <a:cs typeface="+mn-cs"/>
+                      </a:endParaRPr>
                     </a:p>
                   </a:txBody>
                   <a:tcPr/>
@@ -4773,7 +4817,17 @@
                     <a:bodyPr/>
                     <a:lstStyle/>
                     <a:p>
-                      <a:endParaRPr lang="en-US" dirty="0"/>
+                      <a:r>
+                        <a:rPr lang="en-US" sz="1400" kern="1200" dirty="0">
+                          <a:solidFill>
+                            <a:schemeClr val="dk1"/>
+                          </a:solidFill>
+                          <a:latin typeface="+mn-lt"/>
+                          <a:ea typeface="+mn-ea"/>
+                          <a:cs typeface="+mn-cs"/>
+                        </a:rPr>
+                        <a:t>Complex Knowledge Base Question Answering via Alternate Meta-learning (IJCAI 2020)</a:t>
+                      </a:r>
                     </a:p>
                   </a:txBody>
                   <a:tcPr/>
@@ -4784,10 +4838,426 @@
                   </a:ext>
                 </a:extLst>
               </a:tr>
+              <a:tr h="370840">
+                <a:tc>
+                  <a:txBody>
+                    <a:bodyPr/>
+                    <a:lstStyle/>
+                    <a:p>
+                      <a:pPr marL="0" marR="0" lvl="0" indent="0" algn="l" defTabSz="914400" rtl="0" eaLnBrk="1" fontAlgn="auto" latinLnBrk="0" hangingPunct="1">
+                        <a:lnSpc>
+                          <a:spcPct val="100000"/>
+                        </a:lnSpc>
+                        <a:spcBef>
+                          <a:spcPts val="0"/>
+                        </a:spcBef>
+                        <a:spcAft>
+                          <a:spcPts val="0"/>
+                        </a:spcAft>
+                        <a:buClrTx/>
+                        <a:buSzTx/>
+                        <a:buFontTx/>
+                        <a:buNone/>
+                        <a:tabLst/>
+                        <a:defRPr/>
+                      </a:pPr>
+                      <a:r>
+                        <a:rPr lang="en-US" sz="1400" kern="1200" dirty="0">
+                          <a:solidFill>
+                            <a:schemeClr val="dk1"/>
+                          </a:solidFill>
+                          <a:latin typeface="+mn-lt"/>
+                          <a:ea typeface="+mn-ea"/>
+                          <a:cs typeface="+mn-cs"/>
+                        </a:rPr>
+                        <a:t>Quantity, Counting and Aggregation</a:t>
+                      </a:r>
+                    </a:p>
+                  </a:txBody>
+                  <a:tcPr/>
+                </a:tc>
+                <a:tc>
+                  <a:txBody>
+                    <a:bodyPr/>
+                    <a:lstStyle/>
+                    <a:p>
+                      <a:pPr marL="285750" marR="0" lvl="0" indent="-285750" algn="l" defTabSz="914400" rtl="0" eaLnBrk="1" fontAlgn="auto" latinLnBrk="0" hangingPunct="1">
+                        <a:lnSpc>
+                          <a:spcPct val="100000"/>
+                        </a:lnSpc>
+                        <a:spcBef>
+                          <a:spcPts val="0"/>
+                        </a:spcBef>
+                        <a:spcAft>
+                          <a:spcPts val="0"/>
+                        </a:spcAft>
+                        <a:buClrTx/>
+                        <a:buSzTx/>
+                        <a:buFont typeface="Arial" panose="020B0604020202020204" pitchFamily="34" charset="0"/>
+                        <a:buChar char="•"/>
+                        <a:tabLst/>
+                        <a:defRPr/>
+                      </a:pPr>
+                      <a:r>
+                        <a:rPr lang="en-US" sz="1400" kern="1200" dirty="0">
+                          <a:solidFill>
+                            <a:schemeClr val="dk1"/>
+                          </a:solidFill>
+                          <a:latin typeface="+mn-lt"/>
+                          <a:ea typeface="+mn-ea"/>
+                          <a:cs typeface="+mn-cs"/>
+                        </a:rPr>
+                        <a:t>Query rewriting technique into first-order logic with counting (IJCAI 2020)</a:t>
+                      </a:r>
+                    </a:p>
+                    <a:p>
+                      <a:pPr marL="285750" marR="0" lvl="0" indent="-285750" algn="l" defTabSz="914400" rtl="0" eaLnBrk="1" fontAlgn="auto" latinLnBrk="0" hangingPunct="1">
+                        <a:lnSpc>
+                          <a:spcPct val="100000"/>
+                        </a:lnSpc>
+                        <a:spcBef>
+                          <a:spcPts val="0"/>
+                        </a:spcBef>
+                        <a:spcAft>
+                          <a:spcPts val="0"/>
+                        </a:spcAft>
+                        <a:buClrTx/>
+                        <a:buSzTx/>
+                        <a:buFont typeface="Arial" panose="020B0604020202020204" pitchFamily="34" charset="0"/>
+                        <a:buChar char="•"/>
+                        <a:tabLst/>
+                        <a:defRPr/>
+                      </a:pPr>
+                      <a:r>
+                        <a:rPr lang="en-US" sz="1400" kern="1200" dirty="0">
+                          <a:solidFill>
+                            <a:schemeClr val="dk1"/>
+                          </a:solidFill>
+                          <a:latin typeface="+mn-lt"/>
+                          <a:ea typeface="+mn-ea"/>
+                          <a:cs typeface="+mn-cs"/>
+                        </a:rPr>
+                        <a:t>Extract quantity facts from text (ISWC 2019)</a:t>
+                      </a:r>
+                    </a:p>
+                    <a:p>
+                      <a:endParaRPr lang="en-US" sz="1400" kern="1200" dirty="0">
+                        <a:solidFill>
+                          <a:schemeClr val="dk1"/>
+                        </a:solidFill>
+                        <a:latin typeface="+mn-lt"/>
+                        <a:ea typeface="+mn-ea"/>
+                        <a:cs typeface="+mn-cs"/>
+                      </a:endParaRPr>
+                    </a:p>
+                  </a:txBody>
+                  <a:tcPr/>
+                </a:tc>
+                <a:extLst>
+                  <a:ext uri="{0D108BD9-81ED-4DB2-BD59-A6C34878D82A}">
+                    <a16:rowId xmlns:a16="http://schemas.microsoft.com/office/drawing/2014/main" val="1379355330"/>
+                  </a:ext>
+                </a:extLst>
+              </a:tr>
+              <a:tr h="370840">
+                <a:tc>
+                  <a:txBody>
+                    <a:bodyPr/>
+                    <a:lstStyle/>
+                    <a:p>
+                      <a:pPr marL="0" marR="0" lvl="0" indent="0" algn="l" defTabSz="914400" rtl="0" eaLnBrk="1" fontAlgn="auto" latinLnBrk="0" hangingPunct="1">
+                        <a:lnSpc>
+                          <a:spcPct val="100000"/>
+                        </a:lnSpc>
+                        <a:spcBef>
+                          <a:spcPts val="0"/>
+                        </a:spcBef>
+                        <a:spcAft>
+                          <a:spcPts val="0"/>
+                        </a:spcAft>
+                        <a:buClrTx/>
+                        <a:buSzTx/>
+                        <a:buFontTx/>
+                        <a:buNone/>
+                        <a:tabLst/>
+                        <a:defRPr/>
+                      </a:pPr>
+                      <a:r>
+                        <a:rPr lang="en-US" sz="1400" kern="1200" dirty="0">
+                          <a:solidFill>
+                            <a:schemeClr val="dk1"/>
+                          </a:solidFill>
+                          <a:latin typeface="+mn-lt"/>
+                          <a:ea typeface="+mn-ea"/>
+                          <a:cs typeface="+mn-cs"/>
+                        </a:rPr>
+                        <a:t>Complex questions</a:t>
+                      </a:r>
+                    </a:p>
+                  </a:txBody>
+                  <a:tcPr/>
+                </a:tc>
+                <a:tc>
+                  <a:txBody>
+                    <a:bodyPr/>
+                    <a:lstStyle/>
+                    <a:p>
+                      <a:pPr marL="285750" marR="0" lvl="0" indent="-285750" algn="l" defTabSz="914400" rtl="0" eaLnBrk="1" fontAlgn="auto" latinLnBrk="0" hangingPunct="1">
+                        <a:lnSpc>
+                          <a:spcPct val="100000"/>
+                        </a:lnSpc>
+                        <a:spcBef>
+                          <a:spcPts val="0"/>
+                        </a:spcBef>
+                        <a:spcAft>
+                          <a:spcPts val="0"/>
+                        </a:spcAft>
+                        <a:buClrTx/>
+                        <a:buSzTx/>
+                        <a:buFont typeface="Arial" panose="020B0604020202020204" pitchFamily="34" charset="0"/>
+                        <a:buChar char="•"/>
+                        <a:tabLst/>
+                        <a:defRPr/>
+                      </a:pPr>
+                      <a:r>
+                        <a:rPr lang="en-US" sz="1400" kern="1200" dirty="0">
+                          <a:solidFill>
+                            <a:schemeClr val="dk1"/>
+                          </a:solidFill>
+                          <a:latin typeface="+mn-lt"/>
+                          <a:ea typeface="+mn-ea"/>
+                          <a:cs typeface="+mn-cs"/>
+                        </a:rPr>
+                        <a:t>Skeleton-based semantic </a:t>
+                      </a:r>
+                      <a:r>
+                        <a:rPr lang="en-US" sz="1400" kern="1200" dirty="0" err="1">
+                          <a:solidFill>
+                            <a:schemeClr val="dk1"/>
+                          </a:solidFill>
+                          <a:latin typeface="+mn-lt"/>
+                          <a:ea typeface="+mn-ea"/>
+                          <a:cs typeface="+mn-cs"/>
+                        </a:rPr>
+                        <a:t>PARsing</a:t>
+                      </a:r>
+                      <a:r>
+                        <a:rPr lang="en-US" sz="1400" kern="1200" dirty="0">
+                          <a:solidFill>
+                            <a:schemeClr val="dk1"/>
+                          </a:solidFill>
+                          <a:latin typeface="+mn-lt"/>
+                          <a:ea typeface="+mn-ea"/>
+                          <a:cs typeface="+mn-cs"/>
+                        </a:rPr>
+                        <a:t> for Question Answering (AAAI 2020)</a:t>
+                      </a:r>
+                    </a:p>
+                    <a:p>
+                      <a:pPr marL="285750" marR="0" lvl="0" indent="-285750" algn="l" defTabSz="914400" rtl="0" eaLnBrk="1" fontAlgn="auto" latinLnBrk="0" hangingPunct="1">
+                        <a:lnSpc>
+                          <a:spcPct val="100000"/>
+                        </a:lnSpc>
+                        <a:spcBef>
+                          <a:spcPts val="0"/>
+                        </a:spcBef>
+                        <a:spcAft>
+                          <a:spcPts val="0"/>
+                        </a:spcAft>
+                        <a:buClrTx/>
+                        <a:buSzTx/>
+                        <a:buFont typeface="Arial" panose="020B0604020202020204" pitchFamily="34" charset="0"/>
+                        <a:buChar char="•"/>
+                        <a:tabLst/>
+                        <a:defRPr/>
+                      </a:pPr>
+                      <a:r>
+                        <a:rPr lang="en-US" sz="1400" kern="1200" dirty="0">
+                          <a:solidFill>
+                            <a:schemeClr val="dk1"/>
+                          </a:solidFill>
+                          <a:latin typeface="+mn-lt"/>
+                          <a:ea typeface="+mn-ea"/>
+                          <a:cs typeface="+mn-cs"/>
+                        </a:rPr>
+                        <a:t>Mapping an adjective to several existential restrictions or their negation forms (ISWC 2019)</a:t>
+                      </a:r>
+                    </a:p>
+                  </a:txBody>
+                  <a:tcPr/>
+                </a:tc>
+                <a:extLst>
+                  <a:ext uri="{0D108BD9-81ED-4DB2-BD59-A6C34878D82A}">
+                    <a16:rowId xmlns:a16="http://schemas.microsoft.com/office/drawing/2014/main" val="3738866893"/>
+                  </a:ext>
+                </a:extLst>
+              </a:tr>
+              <a:tr h="370840">
+                <a:tc>
+                  <a:txBody>
+                    <a:bodyPr/>
+                    <a:lstStyle/>
+                    <a:p>
+                      <a:pPr marL="0" marR="0" lvl="0" indent="0" algn="l" defTabSz="914400" rtl="0" eaLnBrk="1" fontAlgn="auto" latinLnBrk="0" hangingPunct="1">
+                        <a:lnSpc>
+                          <a:spcPct val="100000"/>
+                        </a:lnSpc>
+                        <a:spcBef>
+                          <a:spcPts val="0"/>
+                        </a:spcBef>
+                        <a:spcAft>
+                          <a:spcPts val="0"/>
+                        </a:spcAft>
+                        <a:buClrTx/>
+                        <a:buSzTx/>
+                        <a:buFontTx/>
+                        <a:buNone/>
+                        <a:tabLst/>
+                        <a:defRPr/>
+                      </a:pPr>
+                      <a:r>
+                        <a:rPr lang="en-US" sz="1400" kern="1200" dirty="0">
+                          <a:solidFill>
+                            <a:schemeClr val="dk1"/>
+                          </a:solidFill>
+                          <a:latin typeface="+mn-lt"/>
+                          <a:ea typeface="+mn-ea"/>
+                          <a:cs typeface="+mn-cs"/>
+                        </a:rPr>
+                        <a:t>Large scale / Performance</a:t>
+                      </a:r>
+                    </a:p>
+                  </a:txBody>
+                  <a:tcPr/>
+                </a:tc>
+                <a:tc>
+                  <a:txBody>
+                    <a:bodyPr/>
+                    <a:lstStyle/>
+                    <a:p>
+                      <a:pPr marL="285750" marR="0" lvl="0" indent="-285750" algn="l" defTabSz="914400" rtl="0" eaLnBrk="1" fontAlgn="auto" latinLnBrk="0" hangingPunct="1">
+                        <a:lnSpc>
+                          <a:spcPct val="100000"/>
+                        </a:lnSpc>
+                        <a:spcBef>
+                          <a:spcPts val="0"/>
+                        </a:spcBef>
+                        <a:spcAft>
+                          <a:spcPts val="0"/>
+                        </a:spcAft>
+                        <a:buClrTx/>
+                        <a:buSzTx/>
+                        <a:buFont typeface="Arial" panose="020B0604020202020204" pitchFamily="34" charset="0"/>
+                        <a:buChar char="•"/>
+                        <a:tabLst/>
+                        <a:defRPr/>
+                      </a:pPr>
+                      <a:r>
+                        <a:rPr lang="en-US" sz="1400" kern="1200" dirty="0">
+                          <a:solidFill>
+                            <a:schemeClr val="dk1"/>
+                          </a:solidFill>
+                          <a:latin typeface="+mn-lt"/>
+                          <a:ea typeface="+mn-ea"/>
+                          <a:cs typeface="+mn-cs"/>
+                        </a:rPr>
+                        <a:t>Rewrites/absorbs a conjunctive query into several simple axioms such that minor extensions of the tableau algorithm appropriately create and propagate bindings for variables through completion graphs. (ISWC 2019)</a:t>
+                      </a:r>
+                    </a:p>
+                    <a:p>
+                      <a:pPr marL="285750" marR="0" lvl="0" indent="-285750" algn="l" defTabSz="914400" rtl="0" eaLnBrk="1" fontAlgn="auto" latinLnBrk="0" hangingPunct="1">
+                        <a:lnSpc>
+                          <a:spcPct val="100000"/>
+                        </a:lnSpc>
+                        <a:spcBef>
+                          <a:spcPts val="0"/>
+                        </a:spcBef>
+                        <a:spcAft>
+                          <a:spcPts val="0"/>
+                        </a:spcAft>
+                        <a:buClrTx/>
+                        <a:buSzTx/>
+                        <a:buFont typeface="Arial" panose="020B0604020202020204" pitchFamily="34" charset="0"/>
+                        <a:buChar char="•"/>
+                        <a:tabLst/>
+                        <a:defRPr/>
+                      </a:pPr>
+                      <a:r>
+                        <a:rPr lang="en-US" sz="1400" kern="1200" dirty="0">
+                          <a:solidFill>
+                            <a:schemeClr val="dk1"/>
+                          </a:solidFill>
+                          <a:latin typeface="+mn-lt"/>
+                          <a:ea typeface="+mn-ea"/>
+                          <a:cs typeface="+mn-cs"/>
+                        </a:rPr>
+                        <a:t>Numerical aggregators/rewrite expensive queries into a set of queries that each satisfy the fair use policy. (ISWC 2019)</a:t>
+                      </a:r>
+                    </a:p>
+                    <a:p>
+                      <a:endParaRPr lang="en-US" sz="1400" kern="1200" dirty="0">
+                        <a:solidFill>
+                          <a:schemeClr val="dk1"/>
+                        </a:solidFill>
+                        <a:latin typeface="+mn-lt"/>
+                        <a:ea typeface="+mn-ea"/>
+                        <a:cs typeface="+mn-cs"/>
+                      </a:endParaRPr>
+                    </a:p>
+                  </a:txBody>
+                  <a:tcPr/>
+                </a:tc>
+                <a:extLst>
+                  <a:ext uri="{0D108BD9-81ED-4DB2-BD59-A6C34878D82A}">
+                    <a16:rowId xmlns:a16="http://schemas.microsoft.com/office/drawing/2014/main" val="1553524173"/>
+                  </a:ext>
+                </a:extLst>
+              </a:tr>
             </a:tbl>
           </a:graphicData>
         </a:graphic>
       </p:graphicFrame>
+      <p:sp>
+        <p:nvSpPr>
+          <p:cNvPr id="5" name="TextBox 4">
+            <a:extLst>
+              <a:ext uri="{FF2B5EF4-FFF2-40B4-BE49-F238E27FC236}">
+                <a16:creationId xmlns:a16="http://schemas.microsoft.com/office/drawing/2014/main" id="{33FAB873-1409-2340-8985-4F59050CF355}"/>
+              </a:ext>
+            </a:extLst>
+          </p:cNvPr>
+          <p:cNvSpPr txBox="1"/>
+          <p:nvPr/>
+        </p:nvSpPr>
+        <p:spPr>
+          <a:xfrm>
+            <a:off x="1614791" y="5846543"/>
+            <a:ext cx="8064229" cy="646331"/>
+          </a:xfrm>
+          <a:prstGeom prst="rect">
+            <a:avLst/>
+          </a:prstGeom>
+          <a:noFill/>
+        </p:spPr>
+        <p:txBody>
+          <a:bodyPr wrap="square" rtlCol="0">
+            <a:spAutoFit/>
+          </a:bodyPr>
+          <a:lstStyle/>
+          <a:p>
+            <a:r>
+              <a:rPr lang="en-US" dirty="0"/>
+              <a:t>Trend 1 : Answering complex questions via KGs is still an important topic</a:t>
+            </a:r>
+          </a:p>
+          <a:p>
+            <a:r>
+              <a:rPr lang="en-US" dirty="0"/>
+              <a:t>Trend 2:  Leading dialogue with and without explicit conversation goal.</a:t>
+            </a:r>
+          </a:p>
+        </p:txBody>
+      </p:sp>
     </p:spTree>
     <p:extLst>
       <p:ext uri="{BB962C8B-B14F-4D97-AF65-F5344CB8AC3E}">

--- a/Presentation2.pptx
+++ b/Presentation2.pptx
@@ -4666,14 +4666,14 @@
           <p:nvPr>
             <p:extLst>
               <p:ext uri="{D42A27DB-BD31-4B8C-83A1-F6EECF244321}">
-                <p14:modId xmlns:p14="http://schemas.microsoft.com/office/powerpoint/2010/main" val="1726955412"/>
+                <p14:modId xmlns:p14="http://schemas.microsoft.com/office/powerpoint/2010/main" val="3819349628"/>
               </p:ext>
             </p:extLst>
           </p:nvPr>
         </p:nvGraphicFramePr>
         <p:xfrm>
           <a:off x="838200" y="768486"/>
-          <a:ext cx="10515600" cy="4881880"/>
+          <a:ext cx="10515600" cy="4790440"/>
         </p:xfrm>
         <a:graphic>
           <a:graphicData uri="http://schemas.openxmlformats.org/drawingml/2006/table">
@@ -4791,50 +4791,6 @@
                 <a:extLst>
                   <a:ext uri="{0D108BD9-81ED-4DB2-BD59-A6C34878D82A}">
                     <a16:rowId xmlns:a16="http://schemas.microsoft.com/office/drawing/2014/main" val="1471542063"/>
-                  </a:ext>
-                </a:extLst>
-              </a:tr>
-              <a:tr h="370840">
-                <a:tc>
-                  <a:txBody>
-                    <a:bodyPr/>
-                    <a:lstStyle/>
-                    <a:p>
-                      <a:endParaRPr lang="en-US" sz="1400" kern="1200" dirty="0">
-                        <a:solidFill>
-                          <a:schemeClr val="dk1"/>
-                        </a:solidFill>
-                        <a:latin typeface="+mn-lt"/>
-                        <a:ea typeface="+mn-ea"/>
-                        <a:cs typeface="+mn-cs"/>
-                      </a:endParaRPr>
-                    </a:p>
-                  </a:txBody>
-                  <a:tcPr/>
-                </a:tc>
-                <a:tc>
-                  <a:txBody>
-                    <a:bodyPr/>
-                    <a:lstStyle/>
-                    <a:p>
-                      <a:r>
-                        <a:rPr lang="en-US" sz="1400" kern="1200" dirty="0">
-                          <a:solidFill>
-                            <a:schemeClr val="dk1"/>
-                          </a:solidFill>
-                          <a:latin typeface="+mn-lt"/>
-                          <a:ea typeface="+mn-ea"/>
-                          <a:cs typeface="+mn-cs"/>
-                        </a:rPr>
-                        <a:t>Complex Knowledge Base Question Answering via Alternate Meta-learning (IJCAI 2020)</a:t>
-                      </a:r>
-                    </a:p>
-                  </a:txBody>
-                  <a:tcPr/>
-                </a:tc>
-                <a:extLst>
-                  <a:ext uri="{0D108BD9-81ED-4DB2-BD59-A6C34878D82A}">
-                    <a16:rowId xmlns:a16="http://schemas.microsoft.com/office/drawing/2014/main" val="2811272605"/>
                   </a:ext>
                 </a:extLst>
               </a:tr>
@@ -5081,6 +5037,36 @@
                           <a:cs typeface="+mn-cs"/>
                         </a:rPr>
                         <a:t>Mapping an adjective to several existential restrictions or their negation forms (ISWC 2019)</a:t>
+                      </a:r>
+                    </a:p>
+                    <a:p>
+                      <a:pPr marL="285750" marR="0" lvl="0" indent="-285750" algn="l" defTabSz="914400" rtl="0" eaLnBrk="1" fontAlgn="auto" latinLnBrk="0" hangingPunct="1">
+                        <a:lnSpc>
+                          <a:spcPct val="100000"/>
+                        </a:lnSpc>
+                        <a:spcBef>
+                          <a:spcPts val="0"/>
+                        </a:spcBef>
+                        <a:spcAft>
+                          <a:spcPts val="0"/>
+                        </a:spcAft>
+                        <a:buClrTx/>
+                        <a:buSzTx/>
+                        <a:buFont typeface="Arial" panose="020B0604020202020204" pitchFamily="34" charset="0"/>
+                        <a:buChar char="•"/>
+                        <a:tabLst/>
+                        <a:defRPr/>
+                      </a:pPr>
+                      <a:r>
+                        <a:rPr lang="en-US" sz="1400" kern="1200" dirty="0">
+                          <a:solidFill>
+                            <a:schemeClr val="dk1"/>
+                          </a:solidFill>
+                          <a:latin typeface="+mn-lt"/>
+                          <a:ea typeface="+mn-ea"/>
+                          <a:cs typeface="+mn-cs"/>
+                        </a:rPr>
+                        <a:t>Complex Knowledge Base Question Answering via Alternate Meta-learning (IJCAI 2020)</a:t>
                       </a:r>
                     </a:p>
                   </a:txBody>

--- a/Presentation2.pptx
+++ b/Presentation2.pptx
@@ -10,7 +10,8 @@
     <p:sldId id="285" r:id="rId4"/>
     <p:sldId id="286" r:id="rId5"/>
     <p:sldId id="287" r:id="rId6"/>
-    <p:sldId id="288" r:id="rId7"/>
+    <p:sldId id="289" r:id="rId7"/>
+    <p:sldId id="288" r:id="rId8"/>
   </p:sldIdLst>
   <p:sldSz cx="12192000" cy="6858000"/>
   <p:notesSz cx="6858000" cy="9144000"/>
@@ -3424,7 +3425,7 @@
         </p:nvSpPr>
         <p:spPr>
           <a:xfrm>
-            <a:off x="838200" y="365125"/>
+            <a:off x="670093" y="384148"/>
             <a:ext cx="10515600" cy="523875"/>
           </a:xfrm>
         </p:spPr>
@@ -3435,7 +3436,7 @@
           <a:lstStyle/>
           <a:p>
             <a:r>
-              <a:rPr lang="en-US" sz="2000" dirty="0"/>
+              <a:rPr lang="en-US" sz="2000" b="1" dirty="0"/>
               <a:t>Embedding</a:t>
             </a:r>
           </a:p>
@@ -3455,8 +3456,8 @@
         </p:nvSpPr>
         <p:spPr>
           <a:xfrm>
-            <a:off x="990600" y="1689100"/>
-            <a:ext cx="10096500" cy="1477328"/>
+            <a:off x="670093" y="1253291"/>
+            <a:ext cx="5304752" cy="1200329"/>
           </a:xfrm>
           <a:prstGeom prst="rect">
             <a:avLst/>
@@ -3474,14 +3475,1206 @@
               <a:t>Knowledge graph (KG) embedding aims to encode the entities and relations in KG into low dimensional vector space that can be used for subsequent algorithms. </a:t>
             </a:r>
           </a:p>
+        </p:txBody>
+      </p:sp>
+      <p:sp>
+        <p:nvSpPr>
+          <p:cNvPr id="3" name="Rectangle 2">
+            <a:extLst>
+              <a:ext uri="{FF2B5EF4-FFF2-40B4-BE49-F238E27FC236}">
+                <a16:creationId xmlns:a16="http://schemas.microsoft.com/office/drawing/2014/main" id="{3B2F5067-D562-2A42-A7AC-FE0D5DC7B88F}"/>
+              </a:ext>
+            </a:extLst>
+          </p:cNvPr>
+          <p:cNvSpPr/>
+          <p:nvPr/>
+        </p:nvSpPr>
+        <p:spPr>
+          <a:xfrm>
+            <a:off x="6199832" y="1282193"/>
+            <a:ext cx="5304752" cy="3865827"/>
+          </a:xfrm>
+          <a:prstGeom prst="rect">
+            <a:avLst/>
+          </a:prstGeom>
+          <a:noFill/>
+          <a:ln>
+            <a:solidFill>
+              <a:schemeClr val="accent1"/>
+            </a:solidFill>
+          </a:ln>
+        </p:spPr>
+        <p:style>
+          <a:lnRef idx="2">
+            <a:schemeClr val="accent1">
+              <a:shade val="50000"/>
+            </a:schemeClr>
+          </a:lnRef>
+          <a:fillRef idx="1">
+            <a:schemeClr val="accent1"/>
+          </a:fillRef>
+          <a:effectRef idx="0">
+            <a:schemeClr val="accent1"/>
+          </a:effectRef>
+          <a:fontRef idx="minor">
+            <a:schemeClr val="lt1"/>
+          </a:fontRef>
+        </p:style>
+        <p:txBody>
+          <a:bodyPr rtlCol="0" anchor="ctr"/>
+          <a:lstStyle/>
+          <a:p>
+            <a:pPr algn="ctr"/>
+            <a:endParaRPr lang="en-US" dirty="0"/>
+          </a:p>
+        </p:txBody>
+      </p:sp>
+      <p:sp>
+        <p:nvSpPr>
+          <p:cNvPr id="5" name="Rounded Rectangle 4">
+            <a:extLst>
+              <a:ext uri="{FF2B5EF4-FFF2-40B4-BE49-F238E27FC236}">
+                <a16:creationId xmlns:a16="http://schemas.microsoft.com/office/drawing/2014/main" id="{F2C5D625-7693-7C4E-8B90-26E244332A72}"/>
+              </a:ext>
+            </a:extLst>
+          </p:cNvPr>
+          <p:cNvSpPr/>
+          <p:nvPr/>
+        </p:nvSpPr>
+        <p:spPr>
+          <a:xfrm>
+            <a:off x="6819759" y="4524894"/>
+            <a:ext cx="4102546" cy="301557"/>
+          </a:xfrm>
+          <a:prstGeom prst="roundRect">
+            <a:avLst/>
+          </a:prstGeom>
+          <a:noFill/>
+        </p:spPr>
+        <p:style>
+          <a:lnRef idx="2">
+            <a:schemeClr val="accent1">
+              <a:shade val="50000"/>
+            </a:schemeClr>
+          </a:lnRef>
+          <a:fillRef idx="1">
+            <a:schemeClr val="accent1"/>
+          </a:fillRef>
+          <a:effectRef idx="0">
+            <a:schemeClr val="accent1"/>
+          </a:effectRef>
+          <a:fontRef idx="minor">
+            <a:schemeClr val="lt1"/>
+          </a:fontRef>
+        </p:style>
+        <p:txBody>
+          <a:bodyPr rtlCol="0" anchor="ctr"/>
+          <a:lstStyle/>
+          <a:p>
+            <a:pPr algn="ctr"/>
+            <a:endParaRPr lang="en-US"/>
+          </a:p>
+        </p:txBody>
+      </p:sp>
+      <p:sp>
+        <p:nvSpPr>
+          <p:cNvPr id="6" name="TextBox 5">
+            <a:extLst>
+              <a:ext uri="{FF2B5EF4-FFF2-40B4-BE49-F238E27FC236}">
+                <a16:creationId xmlns:a16="http://schemas.microsoft.com/office/drawing/2014/main" id="{4E7996F3-15CD-074B-9C7E-61F42100DDB2}"/>
+              </a:ext>
+            </a:extLst>
+          </p:cNvPr>
+          <p:cNvSpPr txBox="1"/>
+          <p:nvPr/>
+        </p:nvSpPr>
+        <p:spPr>
+          <a:xfrm>
+            <a:off x="8333603" y="4529809"/>
+            <a:ext cx="2101174" cy="307777"/>
+          </a:xfrm>
+          <a:prstGeom prst="rect">
+            <a:avLst/>
+          </a:prstGeom>
+          <a:noFill/>
+        </p:spPr>
+        <p:txBody>
+          <a:bodyPr wrap="square" rtlCol="0">
+            <a:spAutoFit/>
+          </a:bodyPr>
+          <a:lstStyle/>
+          <a:p>
+            <a:r>
+              <a:rPr lang="en-US" sz="1400" dirty="0"/>
+              <a:t>Knowledge Graphs</a:t>
+            </a:r>
+          </a:p>
+        </p:txBody>
+      </p:sp>
+      <p:sp>
+        <p:nvSpPr>
+          <p:cNvPr id="7" name="Rounded Rectangle 6">
+            <a:extLst>
+              <a:ext uri="{FF2B5EF4-FFF2-40B4-BE49-F238E27FC236}">
+                <a16:creationId xmlns:a16="http://schemas.microsoft.com/office/drawing/2014/main" id="{0116A134-28E6-4448-BC89-EC6FE15C2EA9}"/>
+              </a:ext>
+            </a:extLst>
+          </p:cNvPr>
+          <p:cNvSpPr/>
+          <p:nvPr/>
+        </p:nvSpPr>
+        <p:spPr>
+          <a:xfrm>
+            <a:off x="6819759" y="4015103"/>
+            <a:ext cx="4102546" cy="301557"/>
+          </a:xfrm>
+          <a:prstGeom prst="roundRect">
+            <a:avLst/>
+          </a:prstGeom>
+          <a:solidFill>
+            <a:schemeClr val="accent1">
+              <a:lumMod val="60000"/>
+              <a:lumOff val="40000"/>
+            </a:schemeClr>
+          </a:solidFill>
+        </p:spPr>
+        <p:style>
+          <a:lnRef idx="2">
+            <a:schemeClr val="accent1">
+              <a:shade val="50000"/>
+            </a:schemeClr>
+          </a:lnRef>
+          <a:fillRef idx="1">
+            <a:schemeClr val="accent1"/>
+          </a:fillRef>
+          <a:effectRef idx="0">
+            <a:schemeClr val="accent1"/>
+          </a:effectRef>
+          <a:fontRef idx="minor">
+            <a:schemeClr val="lt1"/>
+          </a:fontRef>
+        </p:style>
+        <p:txBody>
+          <a:bodyPr rtlCol="0" anchor="ctr"/>
+          <a:lstStyle/>
+          <a:p>
+            <a:pPr algn="ctr"/>
+            <a:endParaRPr lang="en-US"/>
+          </a:p>
+        </p:txBody>
+      </p:sp>
+      <p:sp>
+        <p:nvSpPr>
+          <p:cNvPr id="8" name="TextBox 7">
+            <a:extLst>
+              <a:ext uri="{FF2B5EF4-FFF2-40B4-BE49-F238E27FC236}">
+                <a16:creationId xmlns:a16="http://schemas.microsoft.com/office/drawing/2014/main" id="{948731BB-7B0A-F34E-AFBB-0D06B1130034}"/>
+              </a:ext>
+            </a:extLst>
+          </p:cNvPr>
+          <p:cNvSpPr txBox="1"/>
+          <p:nvPr/>
+        </p:nvSpPr>
+        <p:spPr>
+          <a:xfrm>
+            <a:off x="7827764" y="4029730"/>
+            <a:ext cx="2607013" cy="307777"/>
+          </a:xfrm>
+          <a:prstGeom prst="rect">
+            <a:avLst/>
+          </a:prstGeom>
+          <a:noFill/>
+        </p:spPr>
+        <p:txBody>
+          <a:bodyPr wrap="square" rtlCol="0">
+            <a:spAutoFit/>
+          </a:bodyPr>
+          <a:lstStyle/>
+          <a:p>
+            <a:r>
+              <a:rPr lang="en-US" sz="1400" dirty="0"/>
+              <a:t>Knowledge Graph Embeddings</a:t>
+            </a:r>
+          </a:p>
+        </p:txBody>
+      </p:sp>
+      <p:sp>
+        <p:nvSpPr>
+          <p:cNvPr id="10" name="Rectangle 9">
+            <a:extLst>
+              <a:ext uri="{FF2B5EF4-FFF2-40B4-BE49-F238E27FC236}">
+                <a16:creationId xmlns:a16="http://schemas.microsoft.com/office/drawing/2014/main" id="{08F7C8D2-87EB-9F4C-8FD6-3FBDFFD10B60}"/>
+              </a:ext>
+            </a:extLst>
+          </p:cNvPr>
+          <p:cNvSpPr/>
+          <p:nvPr/>
+        </p:nvSpPr>
+        <p:spPr>
+          <a:xfrm>
+            <a:off x="6790989" y="3224392"/>
+            <a:ext cx="1410511" cy="311286"/>
+          </a:xfrm>
+          <a:prstGeom prst="rect">
+            <a:avLst/>
+          </a:prstGeom>
+          <a:noFill/>
+        </p:spPr>
+        <p:style>
+          <a:lnRef idx="2">
+            <a:schemeClr val="accent1">
+              <a:shade val="50000"/>
+            </a:schemeClr>
+          </a:lnRef>
+          <a:fillRef idx="1">
+            <a:schemeClr val="accent1"/>
+          </a:fillRef>
+          <a:effectRef idx="0">
+            <a:schemeClr val="accent1"/>
+          </a:effectRef>
+          <a:fontRef idx="minor">
+            <a:schemeClr val="lt1"/>
+          </a:fontRef>
+        </p:style>
+        <p:txBody>
+          <a:bodyPr rtlCol="0" anchor="ctr"/>
+          <a:lstStyle/>
+          <a:p>
+            <a:pPr algn="ctr"/>
+            <a:endParaRPr lang="en-US"/>
+          </a:p>
+        </p:txBody>
+      </p:sp>
+      <p:sp>
+        <p:nvSpPr>
+          <p:cNvPr id="11" name="TextBox 10">
+            <a:extLst>
+              <a:ext uri="{FF2B5EF4-FFF2-40B4-BE49-F238E27FC236}">
+                <a16:creationId xmlns:a16="http://schemas.microsoft.com/office/drawing/2014/main" id="{CC7B41D4-AE7A-D743-A3A8-79FAAF0B99A0}"/>
+              </a:ext>
+            </a:extLst>
+          </p:cNvPr>
+          <p:cNvSpPr txBox="1"/>
+          <p:nvPr/>
+        </p:nvSpPr>
+        <p:spPr>
+          <a:xfrm>
+            <a:off x="6747212" y="3219218"/>
+            <a:ext cx="1634247" cy="307777"/>
+          </a:xfrm>
+          <a:prstGeom prst="rect">
+            <a:avLst/>
+          </a:prstGeom>
+          <a:noFill/>
+        </p:spPr>
+        <p:txBody>
+          <a:bodyPr wrap="square" rtlCol="0">
+            <a:spAutoFit/>
+          </a:bodyPr>
+          <a:lstStyle/>
+          <a:p>
+            <a:r>
+              <a:rPr lang="en-US" sz="1400" dirty="0"/>
+              <a:t>Relation Extraction</a:t>
+            </a:r>
+          </a:p>
+        </p:txBody>
+      </p:sp>
+      <p:sp>
+        <p:nvSpPr>
+          <p:cNvPr id="12" name="Rectangle 11">
+            <a:extLst>
+              <a:ext uri="{FF2B5EF4-FFF2-40B4-BE49-F238E27FC236}">
+                <a16:creationId xmlns:a16="http://schemas.microsoft.com/office/drawing/2014/main" id="{61EF435F-EF69-1442-A287-5E8DC68C1A97}"/>
+              </a:ext>
+            </a:extLst>
+          </p:cNvPr>
+          <p:cNvSpPr/>
+          <p:nvPr/>
+        </p:nvSpPr>
+        <p:spPr>
+          <a:xfrm>
+            <a:off x="8198997" y="3224563"/>
+            <a:ext cx="1536970" cy="311286"/>
+          </a:xfrm>
+          <a:prstGeom prst="rect">
+            <a:avLst/>
+          </a:prstGeom>
+          <a:noFill/>
+        </p:spPr>
+        <p:style>
+          <a:lnRef idx="2">
+            <a:schemeClr val="accent1">
+              <a:shade val="50000"/>
+            </a:schemeClr>
+          </a:lnRef>
+          <a:fillRef idx="1">
+            <a:schemeClr val="accent1"/>
+          </a:fillRef>
+          <a:effectRef idx="0">
+            <a:schemeClr val="accent1"/>
+          </a:effectRef>
+          <a:fontRef idx="minor">
+            <a:schemeClr val="lt1"/>
+          </a:fontRef>
+        </p:style>
+        <p:txBody>
+          <a:bodyPr rtlCol="0" anchor="ctr"/>
+          <a:lstStyle/>
+          <a:p>
+            <a:pPr algn="ctr"/>
+            <a:r>
+              <a:rPr lang="en-US" sz="1400" dirty="0">
+                <a:solidFill>
+                  <a:schemeClr val="tx1"/>
+                </a:solidFill>
+              </a:rPr>
+              <a:t>Entity Recognition</a:t>
+            </a:r>
+          </a:p>
+        </p:txBody>
+      </p:sp>
+      <p:sp>
+        <p:nvSpPr>
+          <p:cNvPr id="13" name="Rectangle 12">
+            <a:extLst>
+              <a:ext uri="{FF2B5EF4-FFF2-40B4-BE49-F238E27FC236}">
+                <a16:creationId xmlns:a16="http://schemas.microsoft.com/office/drawing/2014/main" id="{0D8B99CF-9C73-8549-8252-899A9D10F692}"/>
+              </a:ext>
+            </a:extLst>
+          </p:cNvPr>
+          <p:cNvSpPr/>
+          <p:nvPr/>
+        </p:nvSpPr>
+        <p:spPr>
+          <a:xfrm>
+            <a:off x="9742124" y="3221054"/>
+            <a:ext cx="1180417" cy="310749"/>
+          </a:xfrm>
+          <a:prstGeom prst="rect">
+            <a:avLst/>
+          </a:prstGeom>
+          <a:noFill/>
+        </p:spPr>
+        <p:style>
+          <a:lnRef idx="2">
+            <a:schemeClr val="accent1">
+              <a:shade val="50000"/>
+            </a:schemeClr>
+          </a:lnRef>
+          <a:fillRef idx="1">
+            <a:schemeClr val="accent1"/>
+          </a:fillRef>
+          <a:effectRef idx="0">
+            <a:schemeClr val="accent1"/>
+          </a:effectRef>
+          <a:fontRef idx="minor">
+            <a:schemeClr val="lt1"/>
+          </a:fontRef>
+        </p:style>
+        <p:txBody>
+          <a:bodyPr rtlCol="0" anchor="ctr"/>
+          <a:lstStyle/>
+          <a:p>
+            <a:pPr algn="ctr"/>
+            <a:endParaRPr lang="en-US"/>
+          </a:p>
+        </p:txBody>
+      </p:sp>
+      <p:sp>
+        <p:nvSpPr>
+          <p:cNvPr id="14" name="TextBox 13">
+            <a:extLst>
+              <a:ext uri="{FF2B5EF4-FFF2-40B4-BE49-F238E27FC236}">
+                <a16:creationId xmlns:a16="http://schemas.microsoft.com/office/drawing/2014/main" id="{0CEECAC4-B717-934A-9DEB-423943FBF553}"/>
+              </a:ext>
+            </a:extLst>
+          </p:cNvPr>
+          <p:cNvSpPr txBox="1"/>
+          <p:nvPr/>
+        </p:nvSpPr>
+        <p:spPr>
+          <a:xfrm>
+            <a:off x="9741888" y="3223164"/>
+            <a:ext cx="1180417" cy="307777"/>
+          </a:xfrm>
+          <a:prstGeom prst="rect">
+            <a:avLst/>
+          </a:prstGeom>
+          <a:noFill/>
+        </p:spPr>
+        <p:txBody>
+          <a:bodyPr wrap="square" rtlCol="0">
+            <a:spAutoFit/>
+          </a:bodyPr>
+          <a:lstStyle/>
+          <a:p>
+            <a:r>
+              <a:rPr lang="en-US" sz="1400" dirty="0"/>
+              <a:t>KG Alignment</a:t>
+            </a:r>
+          </a:p>
+        </p:txBody>
+      </p:sp>
+      <p:sp>
+        <p:nvSpPr>
+          <p:cNvPr id="16" name="TextBox 15">
+            <a:extLst>
+              <a:ext uri="{FF2B5EF4-FFF2-40B4-BE49-F238E27FC236}">
+                <a16:creationId xmlns:a16="http://schemas.microsoft.com/office/drawing/2014/main" id="{8327FA22-9B73-5F43-B501-4305A382590E}"/>
+              </a:ext>
+            </a:extLst>
+          </p:cNvPr>
+          <p:cNvSpPr txBox="1"/>
+          <p:nvPr/>
+        </p:nvSpPr>
+        <p:spPr>
+          <a:xfrm>
+            <a:off x="6795209" y="3537954"/>
+            <a:ext cx="1433383" cy="307777"/>
+          </a:xfrm>
+          <a:prstGeom prst="rect">
+            <a:avLst/>
+          </a:prstGeom>
+          <a:noFill/>
+          <a:ln>
+            <a:solidFill>
+              <a:schemeClr val="accent1"/>
+            </a:solidFill>
+          </a:ln>
+        </p:spPr>
+        <p:txBody>
+          <a:bodyPr wrap="square" rtlCol="0">
+            <a:spAutoFit/>
+          </a:bodyPr>
+          <a:lstStyle/>
+          <a:p>
+            <a:r>
+              <a:rPr lang="en-US" sz="1400" dirty="0"/>
+              <a:t>Reasoning</a:t>
+            </a:r>
+          </a:p>
+        </p:txBody>
+      </p:sp>
+      <p:sp>
+        <p:nvSpPr>
+          <p:cNvPr id="18" name="TextBox 17">
+            <a:extLst>
+              <a:ext uri="{FF2B5EF4-FFF2-40B4-BE49-F238E27FC236}">
+                <a16:creationId xmlns:a16="http://schemas.microsoft.com/office/drawing/2014/main" id="{E73693A2-25DE-2A44-8C63-0532633E4A64}"/>
+              </a:ext>
+            </a:extLst>
+          </p:cNvPr>
+          <p:cNvSpPr txBox="1"/>
+          <p:nvPr/>
+        </p:nvSpPr>
+        <p:spPr>
+          <a:xfrm>
+            <a:off x="8228591" y="3535751"/>
+            <a:ext cx="1071915" cy="307777"/>
+          </a:xfrm>
+          <a:prstGeom prst="rect">
+            <a:avLst/>
+          </a:prstGeom>
+          <a:noFill/>
+          <a:ln>
+            <a:solidFill>
+              <a:schemeClr val="accent1"/>
+            </a:solidFill>
+          </a:ln>
+        </p:spPr>
+        <p:txBody>
+          <a:bodyPr wrap="square" rtlCol="0">
+            <a:spAutoFit/>
+          </a:bodyPr>
+          <a:lstStyle/>
+          <a:p>
+            <a:r>
+              <a:rPr lang="en-US" sz="1400" dirty="0"/>
+              <a:t>Linking</a:t>
+            </a:r>
+          </a:p>
+        </p:txBody>
+      </p:sp>
+      <p:sp>
+        <p:nvSpPr>
+          <p:cNvPr id="20" name="TextBox 19">
+            <a:extLst>
+              <a:ext uri="{FF2B5EF4-FFF2-40B4-BE49-F238E27FC236}">
+                <a16:creationId xmlns:a16="http://schemas.microsoft.com/office/drawing/2014/main" id="{D44CADF4-75E2-AA40-A0F6-51FDB733B04C}"/>
+              </a:ext>
+            </a:extLst>
+          </p:cNvPr>
+          <p:cNvSpPr txBox="1"/>
+          <p:nvPr/>
+        </p:nvSpPr>
+        <p:spPr>
+          <a:xfrm>
+            <a:off x="9639475" y="2913979"/>
+            <a:ext cx="1283066" cy="307777"/>
+          </a:xfrm>
+          <a:prstGeom prst="rect">
+            <a:avLst/>
+          </a:prstGeom>
+          <a:noFill/>
+          <a:ln>
+            <a:solidFill>
+              <a:schemeClr val="accent1"/>
+            </a:solidFill>
+          </a:ln>
+        </p:spPr>
+        <p:txBody>
+          <a:bodyPr wrap="square" rtlCol="0">
+            <a:spAutoFit/>
+          </a:bodyPr>
+          <a:lstStyle/>
+          <a:p>
+            <a:r>
+              <a:rPr lang="en-US" sz="1400" dirty="0"/>
+              <a:t>Classification</a:t>
+            </a:r>
+          </a:p>
+        </p:txBody>
+      </p:sp>
+      <p:sp>
+        <p:nvSpPr>
+          <p:cNvPr id="24" name="TextBox 23">
+            <a:extLst>
+              <a:ext uri="{FF2B5EF4-FFF2-40B4-BE49-F238E27FC236}">
+                <a16:creationId xmlns:a16="http://schemas.microsoft.com/office/drawing/2014/main" id="{4AC8069A-9656-0740-ABB6-9F36BA73D7B5}"/>
+              </a:ext>
+            </a:extLst>
+          </p:cNvPr>
+          <p:cNvSpPr txBox="1"/>
+          <p:nvPr/>
+        </p:nvSpPr>
+        <p:spPr>
+          <a:xfrm>
+            <a:off x="6790989" y="2917576"/>
+            <a:ext cx="1408008" cy="307777"/>
+          </a:xfrm>
+          <a:prstGeom prst="rect">
+            <a:avLst/>
+          </a:prstGeom>
+          <a:noFill/>
+          <a:ln>
+            <a:solidFill>
+              <a:schemeClr val="accent1"/>
+            </a:solidFill>
+          </a:ln>
+        </p:spPr>
+        <p:txBody>
+          <a:bodyPr wrap="square" rtlCol="0">
+            <a:spAutoFit/>
+          </a:bodyPr>
+          <a:lstStyle/>
+          <a:p>
+            <a:r>
+              <a:rPr lang="en-US" sz="1400" dirty="0"/>
+              <a:t>KG Completion</a:t>
+            </a:r>
+          </a:p>
+        </p:txBody>
+      </p:sp>
+      <p:sp>
+        <p:nvSpPr>
+          <p:cNvPr id="25" name="TextBox 24">
+            <a:extLst>
+              <a:ext uri="{FF2B5EF4-FFF2-40B4-BE49-F238E27FC236}">
+                <a16:creationId xmlns:a16="http://schemas.microsoft.com/office/drawing/2014/main" id="{AA6902F5-AB01-D644-BD86-E652D91FE3B5}"/>
+              </a:ext>
+            </a:extLst>
+          </p:cNvPr>
+          <p:cNvSpPr txBox="1"/>
+          <p:nvPr/>
+        </p:nvSpPr>
+        <p:spPr>
+          <a:xfrm>
+            <a:off x="8198997" y="2916444"/>
+            <a:ext cx="1433383" cy="307777"/>
+          </a:xfrm>
+          <a:prstGeom prst="rect">
+            <a:avLst/>
+          </a:prstGeom>
+          <a:noFill/>
+          <a:ln>
+            <a:solidFill>
+              <a:schemeClr val="accent1"/>
+            </a:solidFill>
+          </a:ln>
+        </p:spPr>
+        <p:txBody>
+          <a:bodyPr wrap="square" rtlCol="0">
+            <a:spAutoFit/>
+          </a:bodyPr>
+          <a:lstStyle/>
+          <a:p>
+            <a:r>
+              <a:rPr lang="en-US" sz="1400" dirty="0"/>
+              <a:t>KG Construction</a:t>
+            </a:r>
+          </a:p>
+        </p:txBody>
+      </p:sp>
+      <p:sp>
+        <p:nvSpPr>
+          <p:cNvPr id="26" name="TextBox 25">
+            <a:extLst>
+              <a:ext uri="{FF2B5EF4-FFF2-40B4-BE49-F238E27FC236}">
+                <a16:creationId xmlns:a16="http://schemas.microsoft.com/office/drawing/2014/main" id="{803D44E3-FFB9-A449-A7CA-2F8B64C4A387}"/>
+              </a:ext>
+            </a:extLst>
+          </p:cNvPr>
+          <p:cNvSpPr txBox="1"/>
+          <p:nvPr/>
+        </p:nvSpPr>
+        <p:spPr>
+          <a:xfrm>
+            <a:off x="9300507" y="3534610"/>
+            <a:ext cx="1622034" cy="307777"/>
+          </a:xfrm>
+          <a:prstGeom prst="rect">
+            <a:avLst/>
+          </a:prstGeom>
+          <a:noFill/>
+          <a:ln>
+            <a:solidFill>
+              <a:schemeClr val="accent1"/>
+            </a:solidFill>
+          </a:ln>
+        </p:spPr>
+        <p:txBody>
+          <a:bodyPr wrap="square" rtlCol="0">
+            <a:spAutoFit/>
+          </a:bodyPr>
+          <a:lstStyle/>
+          <a:p>
+            <a:r>
+              <a:rPr lang="en-US" sz="1400" dirty="0"/>
+              <a:t>KG Validation</a:t>
+            </a:r>
+          </a:p>
+        </p:txBody>
+      </p:sp>
+      <p:sp>
+        <p:nvSpPr>
+          <p:cNvPr id="28" name="TextBox 27">
+            <a:extLst>
+              <a:ext uri="{FF2B5EF4-FFF2-40B4-BE49-F238E27FC236}">
+                <a16:creationId xmlns:a16="http://schemas.microsoft.com/office/drawing/2014/main" id="{7C513743-6973-1542-9CC0-040796B1F86C}"/>
+              </a:ext>
+            </a:extLst>
+          </p:cNvPr>
+          <p:cNvSpPr txBox="1"/>
+          <p:nvPr/>
+        </p:nvSpPr>
+        <p:spPr>
+          <a:xfrm>
+            <a:off x="6790989" y="2409818"/>
+            <a:ext cx="1867834" cy="307777"/>
+          </a:xfrm>
+          <a:prstGeom prst="rect">
+            <a:avLst/>
+          </a:prstGeom>
+          <a:noFill/>
+          <a:ln>
+            <a:solidFill>
+              <a:schemeClr val="accent1"/>
+            </a:solidFill>
+          </a:ln>
+        </p:spPr>
+        <p:txBody>
+          <a:bodyPr wrap="square" rtlCol="0">
+            <a:spAutoFit/>
+          </a:bodyPr>
+          <a:lstStyle/>
+          <a:p>
+            <a:r>
+              <a:rPr lang="en-US" sz="1400" dirty="0"/>
+              <a:t>Query/Q&amp;A</a:t>
+            </a:r>
+          </a:p>
+        </p:txBody>
+      </p:sp>
+      <p:sp>
+        <p:nvSpPr>
+          <p:cNvPr id="29" name="TextBox 28">
+            <a:extLst>
+              <a:ext uri="{FF2B5EF4-FFF2-40B4-BE49-F238E27FC236}">
+                <a16:creationId xmlns:a16="http://schemas.microsoft.com/office/drawing/2014/main" id="{7A80BCB3-D0B7-3043-B041-0D60FFC34A6E}"/>
+              </a:ext>
+            </a:extLst>
+          </p:cNvPr>
+          <p:cNvSpPr txBox="1"/>
+          <p:nvPr/>
+        </p:nvSpPr>
+        <p:spPr>
+          <a:xfrm>
+            <a:off x="6790987" y="1482845"/>
+            <a:ext cx="1536970" cy="307777"/>
+          </a:xfrm>
+          <a:prstGeom prst="rect">
+            <a:avLst/>
+          </a:prstGeom>
+          <a:noFill/>
+          <a:ln>
+            <a:solidFill>
+              <a:schemeClr val="accent1"/>
+            </a:solidFill>
+          </a:ln>
+        </p:spPr>
+        <p:txBody>
+          <a:bodyPr wrap="square" rtlCol="0">
+            <a:spAutoFit/>
+          </a:bodyPr>
+          <a:lstStyle/>
+          <a:p>
+            <a:r>
+              <a:rPr lang="en-US" sz="1400" dirty="0"/>
+              <a:t>Recommendation</a:t>
+            </a:r>
+          </a:p>
+        </p:txBody>
+      </p:sp>
+      <p:sp>
+        <p:nvSpPr>
+          <p:cNvPr id="30" name="TextBox 29">
+            <a:extLst>
+              <a:ext uri="{FF2B5EF4-FFF2-40B4-BE49-F238E27FC236}">
+                <a16:creationId xmlns:a16="http://schemas.microsoft.com/office/drawing/2014/main" id="{5B507FB3-48AD-0E48-9CF6-52E8506163A4}"/>
+              </a:ext>
+            </a:extLst>
+          </p:cNvPr>
+          <p:cNvSpPr txBox="1"/>
+          <p:nvPr/>
+        </p:nvSpPr>
+        <p:spPr>
+          <a:xfrm>
+            <a:off x="8658823" y="2409817"/>
+            <a:ext cx="2247234" cy="307777"/>
+          </a:xfrm>
+          <a:prstGeom prst="rect">
+            <a:avLst/>
+          </a:prstGeom>
+          <a:noFill/>
+          <a:ln>
+            <a:solidFill>
+              <a:schemeClr val="accent1"/>
+            </a:solidFill>
+          </a:ln>
+        </p:spPr>
+        <p:txBody>
+          <a:bodyPr wrap="square" rtlCol="0">
+            <a:spAutoFit/>
+          </a:bodyPr>
+          <a:lstStyle/>
+          <a:p>
+            <a:r>
+              <a:rPr lang="en-US" sz="1400" dirty="0"/>
+              <a:t>Document Understanding</a:t>
+            </a:r>
+          </a:p>
+        </p:txBody>
+      </p:sp>
+      <p:sp>
+        <p:nvSpPr>
+          <p:cNvPr id="31" name="TextBox 30">
+            <a:extLst>
+              <a:ext uri="{FF2B5EF4-FFF2-40B4-BE49-F238E27FC236}">
+                <a16:creationId xmlns:a16="http://schemas.microsoft.com/office/drawing/2014/main" id="{A618C78A-547C-BC46-9B3A-F332F617B8EF}"/>
+              </a:ext>
+            </a:extLst>
+          </p:cNvPr>
+          <p:cNvSpPr txBox="1"/>
+          <p:nvPr/>
+        </p:nvSpPr>
+        <p:spPr>
+          <a:xfrm>
+            <a:off x="6790988" y="2098301"/>
+            <a:ext cx="1867837" cy="307777"/>
+          </a:xfrm>
+          <a:prstGeom prst="rect">
+            <a:avLst/>
+          </a:prstGeom>
+          <a:noFill/>
+          <a:ln>
+            <a:solidFill>
+              <a:schemeClr val="accent1"/>
+            </a:solidFill>
+          </a:ln>
+        </p:spPr>
+        <p:txBody>
+          <a:bodyPr wrap="square" rtlCol="0">
+            <a:spAutoFit/>
+          </a:bodyPr>
+          <a:lstStyle/>
+          <a:p>
+            <a:r>
+              <a:rPr lang="en-US" sz="1400" dirty="0"/>
+              <a:t>Information Extraction</a:t>
+            </a:r>
+          </a:p>
+        </p:txBody>
+      </p:sp>
+      <p:sp>
+        <p:nvSpPr>
+          <p:cNvPr id="32" name="TextBox 31">
+            <a:extLst>
+              <a:ext uri="{FF2B5EF4-FFF2-40B4-BE49-F238E27FC236}">
+                <a16:creationId xmlns:a16="http://schemas.microsoft.com/office/drawing/2014/main" id="{D5F63F1A-2370-CC43-B761-EA936D7136BB}"/>
+              </a:ext>
+            </a:extLst>
+          </p:cNvPr>
+          <p:cNvSpPr txBox="1"/>
+          <p:nvPr/>
+        </p:nvSpPr>
+        <p:spPr>
+          <a:xfrm>
+            <a:off x="8658825" y="2098301"/>
+            <a:ext cx="2247232" cy="307777"/>
+          </a:xfrm>
+          <a:prstGeom prst="rect">
+            <a:avLst/>
+          </a:prstGeom>
+          <a:noFill/>
+          <a:ln>
+            <a:solidFill>
+              <a:schemeClr val="accent1"/>
+            </a:solidFill>
+          </a:ln>
+        </p:spPr>
+        <p:txBody>
+          <a:bodyPr wrap="square" rtlCol="0">
+            <a:spAutoFit/>
+          </a:bodyPr>
+          <a:lstStyle/>
+          <a:p>
+            <a:r>
+              <a:rPr lang="en-US" sz="1400" dirty="0"/>
+              <a:t>Decision Making</a:t>
+            </a:r>
+          </a:p>
+        </p:txBody>
+      </p:sp>
+      <p:sp>
+        <p:nvSpPr>
+          <p:cNvPr id="33" name="TextBox 32">
+            <a:extLst>
+              <a:ext uri="{FF2B5EF4-FFF2-40B4-BE49-F238E27FC236}">
+                <a16:creationId xmlns:a16="http://schemas.microsoft.com/office/drawing/2014/main" id="{EB8EC2B1-6E3F-454A-8AC9-CE40A5DE49A8}"/>
+              </a:ext>
+            </a:extLst>
+          </p:cNvPr>
+          <p:cNvSpPr txBox="1"/>
+          <p:nvPr/>
+        </p:nvSpPr>
+        <p:spPr>
+          <a:xfrm>
+            <a:off x="8658823" y="1787678"/>
+            <a:ext cx="2247234" cy="307777"/>
+          </a:xfrm>
+          <a:prstGeom prst="rect">
+            <a:avLst/>
+          </a:prstGeom>
+          <a:noFill/>
+          <a:ln>
+            <a:solidFill>
+              <a:schemeClr val="accent1"/>
+            </a:solidFill>
+          </a:ln>
+        </p:spPr>
+        <p:txBody>
+          <a:bodyPr wrap="square" rtlCol="0">
+            <a:spAutoFit/>
+          </a:bodyPr>
+          <a:lstStyle/>
+          <a:p>
+            <a:r>
+              <a:rPr lang="en-US" sz="1400" dirty="0"/>
+              <a:t>Causal Reasoning</a:t>
+            </a:r>
+          </a:p>
+        </p:txBody>
+      </p:sp>
+      <p:sp>
+        <p:nvSpPr>
+          <p:cNvPr id="34" name="TextBox 33">
+            <a:extLst>
+              <a:ext uri="{FF2B5EF4-FFF2-40B4-BE49-F238E27FC236}">
+                <a16:creationId xmlns:a16="http://schemas.microsoft.com/office/drawing/2014/main" id="{955B9349-5248-A04C-B770-1FF8714B493D}"/>
+              </a:ext>
+            </a:extLst>
+          </p:cNvPr>
+          <p:cNvSpPr txBox="1"/>
+          <p:nvPr/>
+        </p:nvSpPr>
+        <p:spPr>
+          <a:xfrm>
+            <a:off x="10892965" y="1890067"/>
+            <a:ext cx="542633" cy="369332"/>
+          </a:xfrm>
+          <a:prstGeom prst="rect">
+            <a:avLst/>
+          </a:prstGeom>
+          <a:noFill/>
+          <a:ln>
+            <a:noFill/>
+          </a:ln>
+        </p:spPr>
+        <p:txBody>
+          <a:bodyPr wrap="square" rtlCol="0">
+            <a:spAutoFit/>
+          </a:bodyPr>
+          <a:lstStyle/>
           <a:p>
             <a:r>
               <a:rPr lang="en-US" dirty="0"/>
-              <a:t>It is a fundamental problem in mining relational patterns, construction and completion, classification, validation etc.</a:t>
+              <a:t>……</a:t>
+            </a:r>
+          </a:p>
+        </p:txBody>
+      </p:sp>
+      <p:sp>
+        <p:nvSpPr>
+          <p:cNvPr id="35" name="TextBox 34">
+            <a:extLst>
+              <a:ext uri="{FF2B5EF4-FFF2-40B4-BE49-F238E27FC236}">
+                <a16:creationId xmlns:a16="http://schemas.microsoft.com/office/drawing/2014/main" id="{E504F37A-5519-1348-B6AB-6B3DDB6912CD}"/>
+              </a:ext>
+            </a:extLst>
+          </p:cNvPr>
+          <p:cNvSpPr txBox="1"/>
+          <p:nvPr/>
+        </p:nvSpPr>
+        <p:spPr>
+          <a:xfrm>
+            <a:off x="10906057" y="3200357"/>
+            <a:ext cx="701847" cy="369332"/>
+          </a:xfrm>
+          <a:prstGeom prst="rect">
+            <a:avLst/>
+          </a:prstGeom>
+          <a:noFill/>
+          <a:ln>
+            <a:noFill/>
+          </a:ln>
+        </p:spPr>
+        <p:txBody>
+          <a:bodyPr wrap="square" rtlCol="0">
+            <a:spAutoFit/>
+          </a:bodyPr>
+          <a:lstStyle/>
+          <a:p>
+            <a:r>
+              <a:rPr lang="en-US" dirty="0"/>
+              <a:t>……</a:t>
+            </a:r>
+          </a:p>
+        </p:txBody>
+      </p:sp>
+      <p:sp>
+        <p:nvSpPr>
+          <p:cNvPr id="36" name="Down Arrow 35">
+            <a:extLst>
+              <a:ext uri="{FF2B5EF4-FFF2-40B4-BE49-F238E27FC236}">
+                <a16:creationId xmlns:a16="http://schemas.microsoft.com/office/drawing/2014/main" id="{47517577-956A-1644-9C04-29908B664A51}"/>
+              </a:ext>
+            </a:extLst>
+          </p:cNvPr>
+          <p:cNvSpPr/>
+          <p:nvPr/>
+        </p:nvSpPr>
+        <p:spPr>
+          <a:xfrm rot="10800000">
+            <a:off x="6349099" y="2246046"/>
+            <a:ext cx="189034" cy="2304659"/>
+          </a:xfrm>
+          <a:prstGeom prst="downArrow">
+            <a:avLst/>
+          </a:prstGeom>
+        </p:spPr>
+        <p:style>
+          <a:lnRef idx="2">
+            <a:schemeClr val="accent1">
+              <a:shade val="50000"/>
+            </a:schemeClr>
+          </a:lnRef>
+          <a:fillRef idx="1">
+            <a:schemeClr val="accent1"/>
+          </a:fillRef>
+          <a:effectRef idx="0">
+            <a:schemeClr val="accent1"/>
+          </a:effectRef>
+          <a:fontRef idx="minor">
+            <a:schemeClr val="lt1"/>
+          </a:fontRef>
+        </p:style>
+        <p:txBody>
+          <a:bodyPr rtlCol="0" anchor="ctr"/>
+          <a:lstStyle/>
+          <a:p>
+            <a:pPr algn="ctr"/>
+            <a:endParaRPr lang="en-US"/>
+          </a:p>
+        </p:txBody>
+      </p:sp>
+      <p:sp>
+        <p:nvSpPr>
+          <p:cNvPr id="37" name="TextBox 36">
+            <a:extLst>
+              <a:ext uri="{FF2B5EF4-FFF2-40B4-BE49-F238E27FC236}">
+                <a16:creationId xmlns:a16="http://schemas.microsoft.com/office/drawing/2014/main" id="{FF82E1E4-429B-3145-B91D-211521A7145F}"/>
+              </a:ext>
+            </a:extLst>
+          </p:cNvPr>
+          <p:cNvSpPr txBox="1"/>
+          <p:nvPr/>
+        </p:nvSpPr>
+        <p:spPr>
+          <a:xfrm>
+            <a:off x="6790987" y="1788629"/>
+            <a:ext cx="1867836" cy="307777"/>
+          </a:xfrm>
+          <a:prstGeom prst="rect">
+            <a:avLst/>
+          </a:prstGeom>
+          <a:noFill/>
+          <a:ln>
+            <a:solidFill>
+              <a:schemeClr val="accent1"/>
+            </a:solidFill>
+          </a:ln>
+        </p:spPr>
+        <p:txBody>
+          <a:bodyPr wrap="square" rtlCol="0">
+            <a:spAutoFit/>
+          </a:bodyPr>
+          <a:lstStyle/>
+          <a:p>
+            <a:r>
+              <a:rPr lang="en-US" sz="1400" dirty="0"/>
+              <a:t>Risk Assessment</a:t>
+            </a:r>
+          </a:p>
+        </p:txBody>
+      </p:sp>
+      <p:sp>
+        <p:nvSpPr>
+          <p:cNvPr id="38" name="TextBox 37">
+            <a:extLst>
+              <a:ext uri="{FF2B5EF4-FFF2-40B4-BE49-F238E27FC236}">
+                <a16:creationId xmlns:a16="http://schemas.microsoft.com/office/drawing/2014/main" id="{D38CC420-36E5-F447-8A2B-62E4166756B5}"/>
+              </a:ext>
+            </a:extLst>
+          </p:cNvPr>
+          <p:cNvSpPr txBox="1"/>
+          <p:nvPr/>
+        </p:nvSpPr>
+        <p:spPr>
+          <a:xfrm>
+            <a:off x="6211530" y="5356254"/>
+            <a:ext cx="5511904" cy="738664"/>
+          </a:xfrm>
+          <a:prstGeom prst="rect">
+            <a:avLst/>
+          </a:prstGeom>
+          <a:noFill/>
+          <a:ln>
+            <a:noFill/>
+          </a:ln>
+        </p:spPr>
+        <p:txBody>
+          <a:bodyPr wrap="square" rtlCol="0">
+            <a:spAutoFit/>
+          </a:bodyPr>
+          <a:lstStyle/>
+          <a:p>
+            <a:r>
+              <a:rPr lang="en-US" sz="1200" i="1" dirty="0"/>
+              <a:t>KG Embedding is a </a:t>
+            </a:r>
+            <a:r>
+              <a:rPr lang="en-US" sz="1200" b="1" i="1" dirty="0"/>
+              <a:t>fundamental</a:t>
+            </a:r>
+            <a:r>
+              <a:rPr lang="en-US" sz="1200" i="1" dirty="0"/>
+              <a:t> problem in mining relational patterns, construction and completion, classification, validation and upper level applications.</a:t>
             </a:r>
           </a:p>
           <a:p>
             <a:endParaRPr lang="en-US" dirty="0"/>
+          </a:p>
+        </p:txBody>
+      </p:sp>
+      <p:pic>
+        <p:nvPicPr>
+          <p:cNvPr id="40" name="Picture 39">
+            <a:extLst>
+              <a:ext uri="{FF2B5EF4-FFF2-40B4-BE49-F238E27FC236}">
+                <a16:creationId xmlns:a16="http://schemas.microsoft.com/office/drawing/2014/main" id="{F39F8319-AE89-6141-A3D3-A73B3309B936}"/>
+              </a:ext>
+            </a:extLst>
+          </p:cNvPr>
+          <p:cNvPicPr>
+            <a:picLocks noChangeAspect="1"/>
+          </p:cNvPicPr>
+          <p:nvPr/>
+        </p:nvPicPr>
+        <p:blipFill>
+          <a:blip r:embed="rId2"/>
+          <a:stretch>
+            <a:fillRect/>
+          </a:stretch>
+        </p:blipFill>
+        <p:spPr>
+          <a:xfrm>
+            <a:off x="329766" y="3017876"/>
+            <a:ext cx="5588441" cy="1851592"/>
+          </a:xfrm>
+          <a:prstGeom prst="rect">
+            <a:avLst/>
+          </a:prstGeom>
+        </p:spPr>
+      </p:pic>
+      <p:sp>
+        <p:nvSpPr>
+          <p:cNvPr id="41" name="TextBox 40">
+            <a:extLst>
+              <a:ext uri="{FF2B5EF4-FFF2-40B4-BE49-F238E27FC236}">
+                <a16:creationId xmlns:a16="http://schemas.microsoft.com/office/drawing/2014/main" id="{1311E22B-6E1C-9E4B-8402-F9C373BDC1B1}"/>
+              </a:ext>
+            </a:extLst>
+          </p:cNvPr>
+          <p:cNvSpPr txBox="1"/>
+          <p:nvPr/>
+        </p:nvSpPr>
+        <p:spPr>
+          <a:xfrm>
+            <a:off x="935528" y="5143044"/>
+            <a:ext cx="4077730" cy="461665"/>
+          </a:xfrm>
+          <a:prstGeom prst="rect">
+            <a:avLst/>
+          </a:prstGeom>
+          <a:noFill/>
+        </p:spPr>
+        <p:txBody>
+          <a:bodyPr wrap="square" rtlCol="0">
+            <a:spAutoFit/>
+          </a:bodyPr>
+          <a:lstStyle/>
+          <a:p>
+            <a:r>
+              <a:rPr lang="en-US" sz="1200" i="1" dirty="0"/>
+              <a:t>An Example of  Embedding on Biomedical Networks</a:t>
+            </a:r>
+          </a:p>
+          <a:p>
+            <a:r>
+              <a:rPr lang="en-US" sz="1200" i="1" dirty="0"/>
+              <a:t>[Graph Embedding on Biomedical Networks; Xiang Yue et al.]</a:t>
+            </a:r>
           </a:p>
         </p:txBody>
       </p:sp>
@@ -3544,7 +4737,7 @@
           <a:lstStyle/>
           <a:p>
             <a:r>
-              <a:rPr lang="en-US" sz="2000" dirty="0"/>
+              <a:rPr lang="en-US" sz="2000" b="1" dirty="0"/>
               <a:t>Embedding</a:t>
             </a:r>
           </a:p>
@@ -3565,14 +4758,14 @@
           <p:nvPr>
             <p:extLst>
               <p:ext uri="{D42A27DB-BD31-4B8C-83A1-F6EECF244321}">
-                <p14:modId xmlns:p14="http://schemas.microsoft.com/office/powerpoint/2010/main" val="1246551762"/>
+                <p14:modId xmlns:p14="http://schemas.microsoft.com/office/powerpoint/2010/main" val="3606406479"/>
               </p:ext>
             </p:extLst>
           </p:nvPr>
         </p:nvGraphicFramePr>
         <p:xfrm>
-          <a:off x="868464" y="1333544"/>
-          <a:ext cx="8128000" cy="3215640"/>
+          <a:off x="868463" y="1333544"/>
+          <a:ext cx="10303120" cy="2667000"/>
         </p:xfrm>
         <a:graphic>
           <a:graphicData uri="http://schemas.openxmlformats.org/drawingml/2006/table">
@@ -3581,14 +4774,14 @@
                 <a:tableStyleId>{5C22544A-7EE6-4342-B048-85BDC9FD1C3A}</a:tableStyleId>
               </a:tblPr>
               <a:tblGrid>
-                <a:gridCol w="4064000">
+                <a:gridCol w="5151560">
                   <a:extLst>
                     <a:ext uri="{9D8B030D-6E8A-4147-A177-3AD203B41FA5}">
                       <a16:colId xmlns:a16="http://schemas.microsoft.com/office/drawing/2014/main" val="3371443175"/>
                     </a:ext>
                   </a:extLst>
                 </a:gridCol>
-                <a:gridCol w="4064000">
+                <a:gridCol w="5151560">
                   <a:extLst>
                     <a:ext uri="{9D8B030D-6E8A-4147-A177-3AD203B41FA5}">
                       <a16:colId xmlns:a16="http://schemas.microsoft.com/office/drawing/2014/main" val="3907541128"/>
@@ -4000,8 +5193,8 @@
         </p:nvSpPr>
         <p:spPr>
           <a:xfrm>
-            <a:off x="1138136" y="5097294"/>
-            <a:ext cx="6809362" cy="1200329"/>
+            <a:off x="868463" y="4592986"/>
+            <a:ext cx="10303120" cy="646331"/>
           </a:xfrm>
           <a:prstGeom prst="rect">
             <a:avLst/>
@@ -4057,6 +5250,36 @@
           <a:chExt cx="0" cy="0"/>
         </a:xfrm>
       </p:grpSpPr>
+      <p:pic>
+        <p:nvPicPr>
+          <p:cNvPr id="8" name="Picture 7">
+            <a:extLst>
+              <a:ext uri="{FF2B5EF4-FFF2-40B4-BE49-F238E27FC236}">
+                <a16:creationId xmlns:a16="http://schemas.microsoft.com/office/drawing/2014/main" id="{F599D3FE-F0E1-B64B-A245-7E1F0F60DF87}"/>
+              </a:ext>
+            </a:extLst>
+          </p:cNvPr>
+          <p:cNvPicPr>
+            <a:picLocks noChangeAspect="1"/>
+          </p:cNvPicPr>
+          <p:nvPr/>
+        </p:nvPicPr>
+        <p:blipFill>
+          <a:blip r:embed="rId2"/>
+          <a:stretch>
+            <a:fillRect/>
+          </a:stretch>
+        </p:blipFill>
+        <p:spPr>
+          <a:xfrm>
+            <a:off x="6525741" y="1193800"/>
+            <a:ext cx="4978400" cy="4470400"/>
+          </a:xfrm>
+          <a:prstGeom prst="rect">
+            <a:avLst/>
+          </a:prstGeom>
+        </p:spPr>
+      </p:pic>
       <p:sp>
         <p:nvSpPr>
           <p:cNvPr id="2" name="Title 1">
@@ -4075,7 +5298,7 @@
         </p:nvSpPr>
         <p:spPr>
           <a:xfrm>
-            <a:off x="838200" y="365125"/>
+            <a:off x="988541" y="525763"/>
             <a:ext cx="10515600" cy="549275"/>
           </a:xfrm>
         </p:spPr>
@@ -4086,8 +5309,186 @@
           <a:lstStyle/>
           <a:p>
             <a:r>
-              <a:rPr lang="en-US" sz="1800" dirty="0"/>
+              <a:rPr lang="en-US" sz="1800" b="1" dirty="0"/>
               <a:t>Relation Extraction</a:t>
+            </a:r>
+          </a:p>
+        </p:txBody>
+      </p:sp>
+      <p:sp>
+        <p:nvSpPr>
+          <p:cNvPr id="4" name="TextBox 3">
+            <a:extLst>
+              <a:ext uri="{FF2B5EF4-FFF2-40B4-BE49-F238E27FC236}">
+                <a16:creationId xmlns:a16="http://schemas.microsoft.com/office/drawing/2014/main" id="{BFAE3298-B6F4-8F4B-8675-BD255E9F1398}"/>
+              </a:ext>
+            </a:extLst>
+          </p:cNvPr>
+          <p:cNvSpPr txBox="1"/>
+          <p:nvPr/>
+        </p:nvSpPr>
+        <p:spPr>
+          <a:xfrm>
+            <a:off x="988541" y="1092792"/>
+            <a:ext cx="5412259" cy="923330"/>
+          </a:xfrm>
+          <a:prstGeom prst="rect">
+            <a:avLst/>
+          </a:prstGeom>
+          <a:noFill/>
+        </p:spPr>
+        <p:txBody>
+          <a:bodyPr wrap="square" rtlCol="0">
+            <a:spAutoFit/>
+          </a:bodyPr>
+          <a:lstStyle/>
+          <a:p>
+            <a:r>
+              <a:rPr lang="en-US" dirty="0"/>
+              <a:t>Relation extraction is to solve the problem of entity semantic linking, which is of great significance to many natural language processing applications.</a:t>
+            </a:r>
+          </a:p>
+        </p:txBody>
+      </p:sp>
+      <p:pic>
+        <p:nvPicPr>
+          <p:cNvPr id="6" name="Picture 5">
+            <a:extLst>
+              <a:ext uri="{FF2B5EF4-FFF2-40B4-BE49-F238E27FC236}">
+                <a16:creationId xmlns:a16="http://schemas.microsoft.com/office/drawing/2014/main" id="{BFCCB9CE-759C-474B-8F16-F9066F026E01}"/>
+              </a:ext>
+            </a:extLst>
+          </p:cNvPr>
+          <p:cNvPicPr>
+            <a:picLocks noChangeAspect="1"/>
+          </p:cNvPicPr>
+          <p:nvPr/>
+        </p:nvPicPr>
+        <p:blipFill>
+          <a:blip r:embed="rId3"/>
+          <a:stretch>
+            <a:fillRect/>
+          </a:stretch>
+        </p:blipFill>
+        <p:spPr>
+          <a:xfrm>
+            <a:off x="988541" y="2547643"/>
+            <a:ext cx="4978400" cy="2755900"/>
+          </a:xfrm>
+          <a:prstGeom prst="rect">
+            <a:avLst/>
+          </a:prstGeom>
+        </p:spPr>
+      </p:pic>
+      <p:sp>
+        <p:nvSpPr>
+          <p:cNvPr id="9" name="TextBox 8">
+            <a:extLst>
+              <a:ext uri="{FF2B5EF4-FFF2-40B4-BE49-F238E27FC236}">
+                <a16:creationId xmlns:a16="http://schemas.microsoft.com/office/drawing/2014/main" id="{3AE2E363-4B97-284A-A097-CC023B89F4E4}"/>
+              </a:ext>
+            </a:extLst>
+          </p:cNvPr>
+          <p:cNvSpPr txBox="1"/>
+          <p:nvPr/>
+        </p:nvSpPr>
+        <p:spPr>
+          <a:xfrm>
+            <a:off x="1521940" y="5639360"/>
+            <a:ext cx="3200400" cy="276999"/>
+          </a:xfrm>
+          <a:prstGeom prst="rect">
+            <a:avLst/>
+          </a:prstGeom>
+          <a:noFill/>
+        </p:spPr>
+        <p:txBody>
+          <a:bodyPr wrap="square" rtlCol="0">
+            <a:spAutoFit/>
+          </a:bodyPr>
+          <a:lstStyle/>
+          <a:p>
+            <a:r>
+              <a:rPr lang="en-US" sz="1200" i="1" dirty="0"/>
+              <a:t>Relation extraction flow chart</a:t>
+            </a:r>
+          </a:p>
+        </p:txBody>
+      </p:sp>
+      <p:sp>
+        <p:nvSpPr>
+          <p:cNvPr id="10" name="TextBox 9">
+            <a:extLst>
+              <a:ext uri="{FF2B5EF4-FFF2-40B4-BE49-F238E27FC236}">
+                <a16:creationId xmlns:a16="http://schemas.microsoft.com/office/drawing/2014/main" id="{8E3C9A75-1D37-F54B-96D0-44D48C200BF9}"/>
+              </a:ext>
+            </a:extLst>
+          </p:cNvPr>
+          <p:cNvSpPr txBox="1"/>
+          <p:nvPr/>
+        </p:nvSpPr>
+        <p:spPr>
+          <a:xfrm>
+            <a:off x="7095524" y="5686386"/>
+            <a:ext cx="3237469" cy="276999"/>
+          </a:xfrm>
+          <a:prstGeom prst="rect">
+            <a:avLst/>
+          </a:prstGeom>
+          <a:noFill/>
+        </p:spPr>
+        <p:txBody>
+          <a:bodyPr wrap="square" rtlCol="0">
+            <a:spAutoFit/>
+          </a:bodyPr>
+          <a:lstStyle/>
+          <a:p>
+            <a:r>
+              <a:rPr lang="en-US" sz="1200" i="1" dirty="0"/>
+              <a:t>Evolution process diagram of relation extraction</a:t>
+            </a:r>
+          </a:p>
+        </p:txBody>
+      </p:sp>
+      <p:sp>
+        <p:nvSpPr>
+          <p:cNvPr id="11" name="TextBox 10">
+            <a:extLst>
+              <a:ext uri="{FF2B5EF4-FFF2-40B4-BE49-F238E27FC236}">
+                <a16:creationId xmlns:a16="http://schemas.microsoft.com/office/drawing/2014/main" id="{C6B4BA00-5E3E-F54D-83A2-2C14C182E913}"/>
+              </a:ext>
+            </a:extLst>
+          </p:cNvPr>
+          <p:cNvSpPr txBox="1"/>
+          <p:nvPr/>
+        </p:nvSpPr>
+        <p:spPr>
+          <a:xfrm>
+            <a:off x="617838" y="6471770"/>
+            <a:ext cx="5008605" cy="276999"/>
+          </a:xfrm>
+          <a:prstGeom prst="rect">
+            <a:avLst/>
+          </a:prstGeom>
+          <a:noFill/>
+        </p:spPr>
+        <p:txBody>
+          <a:bodyPr wrap="square" rtlCol="0">
+            <a:spAutoFit/>
+          </a:bodyPr>
+          <a:lstStyle/>
+          <a:p>
+            <a:r>
+              <a:rPr lang="en-US" sz="1200" i="1" dirty="0"/>
+              <a:t>[ A Survey of Relation Extraction of Knowledge Graphs; </a:t>
+            </a:r>
+            <a:r>
+              <a:rPr lang="en-US" sz="1200" i="1" dirty="0" err="1"/>
+              <a:t>Aoran</a:t>
+            </a:r>
+            <a:r>
+              <a:rPr lang="en-US" sz="1200" i="1" dirty="0"/>
+              <a:t> Li et al.; 2019 ]</a:t>
             </a:r>
           </a:p>
         </p:txBody>
@@ -4172,14 +5573,14 @@
           <p:nvPr>
             <p:extLst>
               <p:ext uri="{D42A27DB-BD31-4B8C-83A1-F6EECF244321}">
-                <p14:modId xmlns:p14="http://schemas.microsoft.com/office/powerpoint/2010/main" val="3942886754"/>
+                <p14:modId xmlns:p14="http://schemas.microsoft.com/office/powerpoint/2010/main" val="2523549781"/>
               </p:ext>
             </p:extLst>
           </p:nvPr>
         </p:nvGraphicFramePr>
         <p:xfrm>
           <a:off x="838200" y="914400"/>
-          <a:ext cx="8971220" cy="3843723"/>
+          <a:ext cx="10515600" cy="3520410"/>
         </p:xfrm>
         <a:graphic>
           <a:graphicData uri="http://schemas.openxmlformats.org/drawingml/2006/table">
@@ -4188,14 +5589,14 @@
                 <a:tableStyleId>{5C22544A-7EE6-4342-B048-85BDC9FD1C3A}</a:tableStyleId>
               </a:tblPr>
               <a:tblGrid>
-                <a:gridCol w="3863658">
+                <a:gridCol w="4528780">
                   <a:extLst>
                     <a:ext uri="{9D8B030D-6E8A-4147-A177-3AD203B41FA5}">
                       <a16:colId xmlns:a16="http://schemas.microsoft.com/office/drawing/2014/main" val="2535784333"/>
                     </a:ext>
                   </a:extLst>
                 </a:gridCol>
-                <a:gridCol w="5107562">
+                <a:gridCol w="5986820">
                   <a:extLst>
                     <a:ext uri="{9D8B030D-6E8A-4147-A177-3AD203B41FA5}">
                       <a16:colId xmlns:a16="http://schemas.microsoft.com/office/drawing/2014/main" val="1415588192"/>
@@ -4224,7 +5625,7 @@
                     <a:p>
                       <a:r>
                         <a:rPr lang="en-US" dirty="0"/>
-                        <a:t>Work</a:t>
+                        <a:t>Works (2019-2010)</a:t>
                       </a:r>
                     </a:p>
                   </a:txBody>
@@ -4360,7 +5761,7 @@
                   </a:ext>
                 </a:extLst>
               </a:tr>
-              <a:tr h="806454">
+              <a:tr h="518809">
                 <a:tc>
                   <a:txBody>
                     <a:bodyPr/>
@@ -4413,36 +5814,6 @@
                           <a:cs typeface="+mn-cs"/>
                         </a:rPr>
                         <a:t>Transfer the relational knowledge to identify novel relations in unlabeled data (EMNLP-IJCNLP 2019)</a:t>
-                      </a:r>
-                    </a:p>
-                    <a:p>
-                      <a:pPr marL="0" marR="0" lvl="0" indent="0" algn="l" defTabSz="914400" rtl="0" eaLnBrk="1" fontAlgn="auto" latinLnBrk="0" hangingPunct="1">
-                        <a:lnSpc>
-                          <a:spcPct val="100000"/>
-                        </a:lnSpc>
-                        <a:spcBef>
-                          <a:spcPts val="0"/>
-                        </a:spcBef>
-                        <a:spcAft>
-                          <a:spcPts val="0"/>
-                        </a:spcAft>
-                        <a:buClrTx/>
-                        <a:buSzTx/>
-                        <a:buFontTx/>
-                        <a:buNone/>
-                        <a:tabLst/>
-                        <a:defRPr/>
-                      </a:pPr>
-                      <a:r>
-                        <a:rPr lang="en-US" sz="1400" kern="1200" dirty="0">
-                          <a:solidFill>
-                            <a:schemeClr val="dk1"/>
-                          </a:solidFill>
-                          <a:latin typeface="+mn-lt"/>
-                          <a:ea typeface="+mn-ea"/>
-                          <a:cs typeface="+mn-cs"/>
-                        </a:rPr>
-                        <a:t>(ACL 2019)</a:t>
                       </a:r>
                     </a:p>
                   </a:txBody>
@@ -4621,7 +5992,7 @@
           <p:cNvPr id="2" name="Title 1">
             <a:extLst>
               <a:ext uri="{FF2B5EF4-FFF2-40B4-BE49-F238E27FC236}">
-                <a16:creationId xmlns:a16="http://schemas.microsoft.com/office/drawing/2014/main" id="{B577FF04-4935-5C4A-98D8-25B6695714F0}"/>
+                <a16:creationId xmlns:a16="http://schemas.microsoft.com/office/drawing/2014/main" id="{F482B9D1-916A-524F-BB54-F015B34B4D63}"/>
               </a:ext>
             </a:extLst>
           </p:cNvPr>
@@ -4632,9 +6003,89 @@
             <p:ph type="title"/>
           </p:nvPr>
         </p:nvSpPr>
+        <p:spPr/>
+        <p:txBody>
+          <a:bodyPr/>
+          <a:lstStyle/>
+          <a:p>
+            <a:endParaRPr lang="en-US"/>
+          </a:p>
+        </p:txBody>
+      </p:sp>
+      <p:sp>
+        <p:nvSpPr>
+          <p:cNvPr id="3" name="Content Placeholder 2">
+            <a:extLst>
+              <a:ext uri="{FF2B5EF4-FFF2-40B4-BE49-F238E27FC236}">
+                <a16:creationId xmlns:a16="http://schemas.microsoft.com/office/drawing/2014/main" id="{A1DB4332-5CC5-5D4D-B0D0-D6F7E3AF1E98}"/>
+              </a:ext>
+            </a:extLst>
+          </p:cNvPr>
+          <p:cNvSpPr>
+            <a:spLocks noGrp="1"/>
+          </p:cNvSpPr>
+          <p:nvPr>
+            <p:ph idx="1"/>
+          </p:nvPr>
+        </p:nvSpPr>
+        <p:spPr/>
+        <p:txBody>
+          <a:bodyPr/>
+          <a:lstStyle/>
+          <a:p>
+            <a:endParaRPr lang="en-US"/>
+          </a:p>
+        </p:txBody>
+      </p:sp>
+    </p:spTree>
+    <p:extLst>
+      <p:ext uri="{BB962C8B-B14F-4D97-AF65-F5344CB8AC3E}">
+        <p14:creationId xmlns:p14="http://schemas.microsoft.com/office/powerpoint/2010/main" val="3794745244"/>
+      </p:ext>
+    </p:extLst>
+  </p:cSld>
+  <p:clrMapOvr>
+    <a:masterClrMapping/>
+  </p:clrMapOvr>
+</p:sld>
+</file>
+
+<file path=ppt/slides/slide7.xml><?xml version="1.0" encoding="utf-8"?>
+<p:sld xmlns:a="http://schemas.openxmlformats.org/drawingml/2006/main" xmlns:r="http://schemas.openxmlformats.org/officeDocument/2006/relationships" xmlns:p="http://schemas.openxmlformats.org/presentationml/2006/main">
+  <p:cSld>
+    <p:spTree>
+      <p:nvGrpSpPr>
+        <p:cNvPr id="1" name=""/>
+        <p:cNvGrpSpPr/>
+        <p:nvPr/>
+      </p:nvGrpSpPr>
+      <p:grpSpPr>
+        <a:xfrm>
+          <a:off x="0" y="0"/>
+          <a:ext cx="0" cy="0"/>
+          <a:chOff x="0" y="0"/>
+          <a:chExt cx="0" cy="0"/>
+        </a:xfrm>
+      </p:grpSpPr>
+      <p:sp>
+        <p:nvSpPr>
+          <p:cNvPr id="2" name="Title 1">
+            <a:extLst>
+              <a:ext uri="{FF2B5EF4-FFF2-40B4-BE49-F238E27FC236}">
+                <a16:creationId xmlns:a16="http://schemas.microsoft.com/office/drawing/2014/main" id="{B577FF04-4935-5C4A-98D8-25B6695714F0}"/>
+              </a:ext>
+            </a:extLst>
+          </p:cNvPr>
+          <p:cNvSpPr>
+            <a:spLocks noGrp="1"/>
+          </p:cNvSpPr>
+          <p:nvPr>
+            <p:ph type="title"/>
+          </p:nvPr>
+        </p:nvSpPr>
         <p:spPr>
           <a:xfrm>
-            <a:off x="838200" y="365126"/>
+            <a:off x="838200" y="237269"/>
             <a:ext cx="10515600" cy="403360"/>
           </a:xfrm>
         </p:spPr>
@@ -4645,7 +6096,7 @@
           <a:lstStyle/>
           <a:p>
             <a:r>
-              <a:rPr lang="en-US" sz="1600" dirty="0"/>
+              <a:rPr lang="en-US" sz="1600" b="1" dirty="0"/>
               <a:t>Q&amp;A / Query</a:t>
             </a:r>
           </a:p>
@@ -4666,14 +6117,14 @@
           <p:nvPr>
             <p:extLst>
               <p:ext uri="{D42A27DB-BD31-4B8C-83A1-F6EECF244321}">
-                <p14:modId xmlns:p14="http://schemas.microsoft.com/office/powerpoint/2010/main" val="3819349628"/>
+                <p14:modId xmlns:p14="http://schemas.microsoft.com/office/powerpoint/2010/main" val="1226406766"/>
               </p:ext>
             </p:extLst>
           </p:nvPr>
         </p:nvGraphicFramePr>
         <p:xfrm>
           <a:off x="838200" y="768486"/>
-          <a:ext cx="10515600" cy="4790440"/>
+          <a:ext cx="10515600" cy="5125720"/>
         </p:xfrm>
         <a:graphic>
           <a:graphicData uri="http://schemas.openxmlformats.org/drawingml/2006/table">
@@ -4737,7 +6188,7 @@
                     <a:lstStyle/>
                     <a:p>
                       <a:r>
-                        <a:rPr lang="en-US" sz="1400" kern="1200" dirty="0">
+                        <a:rPr lang="en-US" sz="1200" kern="1200" dirty="0">
                           <a:solidFill>
                             <a:schemeClr val="dk1"/>
                           </a:solidFill>
@@ -4745,7 +6196,7 @@
                           <a:ea typeface="+mn-ea"/>
                           <a:cs typeface="+mn-cs"/>
                         </a:rPr>
-                        <a:t>Ability of proactively leading the conversation with an explicit conversation goal</a:t>
+                        <a:t>Ability of proactively leading the conversation</a:t>
                       </a:r>
                     </a:p>
                   </a:txBody>
@@ -4756,7 +6207,7 @@
                     <a:bodyPr/>
                     <a:lstStyle/>
                     <a:p>
-                      <a:pPr marL="0" marR="0" lvl="0" indent="0" algn="l" defTabSz="914400" rtl="0" eaLnBrk="1" fontAlgn="auto" latinLnBrk="0" hangingPunct="1">
+                      <a:pPr marL="171450" marR="0" lvl="0" indent="-171450" algn="l" defTabSz="914400" rtl="0" eaLnBrk="1" fontAlgn="auto" latinLnBrk="0" hangingPunct="1">
                         <a:lnSpc>
                           <a:spcPct val="100000"/>
                         </a:lnSpc>
@@ -4768,13 +6219,13 @@
                         </a:spcAft>
                         <a:buClrTx/>
                         <a:buSzTx/>
-                        <a:buFontTx/>
-                        <a:buNone/>
+                        <a:buFont typeface="Arial" panose="020B0604020202020204" pitchFamily="34" charset="0"/>
+                        <a:buChar char="•"/>
                         <a:tabLst/>
                         <a:defRPr/>
                       </a:pPr>
                       <a:r>
-                        <a:rPr lang="en-US" sz="1400" kern="1200" dirty="0">
+                        <a:rPr lang="en-US" sz="1200" i="1" kern="1200" dirty="0">
                           <a:solidFill>
                             <a:schemeClr val="dk1"/>
                           </a:solidFill>
@@ -4782,7 +6233,48 @@
                           <a:ea typeface="+mn-ea"/>
                           <a:cs typeface="+mn-cs"/>
                         </a:rPr>
-                        <a:t>Planning dialogue strategy over a knowledge graph (ACL 2019)</a:t>
+                        <a:t>Proactive Human-Machine Conversation with Explicit Conversation Goals</a:t>
+                      </a:r>
+                      <a:r>
+                        <a:rPr lang="en-US" sz="1200" kern="1200" dirty="0">
+                          <a:solidFill>
+                            <a:schemeClr val="dk1"/>
+                          </a:solidFill>
+                          <a:latin typeface="+mn-lt"/>
+                          <a:ea typeface="+mn-ea"/>
+                          <a:cs typeface="+mn-cs"/>
+                        </a:rPr>
+                        <a:t> (ACL 2019) --- Planning dialogue strategy over a knowledge graph</a:t>
+                      </a:r>
+                    </a:p>
+                    <a:p>
+                      <a:pPr marL="171450" marR="0" lvl="0" indent="-171450" algn="l" defTabSz="914400" rtl="0" eaLnBrk="1" fontAlgn="auto" latinLnBrk="0" hangingPunct="1">
+                        <a:lnSpc>
+                          <a:spcPct val="100000"/>
+                        </a:lnSpc>
+                        <a:spcBef>
+                          <a:spcPts val="0"/>
+                        </a:spcBef>
+                        <a:spcAft>
+                          <a:spcPts val="0"/>
+                        </a:spcAft>
+                        <a:buClrTx/>
+                        <a:buSzTx/>
+                        <a:buFont typeface="Arial" panose="020B0604020202020204" pitchFamily="34" charset="0"/>
+                        <a:buChar char="•"/>
+                        <a:tabLst/>
+                        <a:defRPr/>
+                      </a:pPr>
+                      <a:r>
+                        <a:rPr lang="en-US" sz="1200" kern="1200" dirty="0">
+                          <a:solidFill>
+                            <a:schemeClr val="dk1"/>
+                          </a:solidFill>
+                          <a:latin typeface="+mn-lt"/>
+                          <a:ea typeface="+mn-ea"/>
+                          <a:cs typeface="+mn-cs"/>
+                        </a:rPr>
+                        <a:t>Using a KG-Copy Network for Non-Goal Oriented Dialogues (ISWC 2019) </a:t>
                       </a:r>
                     </a:p>
                   </a:txBody>
@@ -4818,7 +6310,7 @@
                         <a:defRPr/>
                       </a:pPr>
                       <a:r>
-                        <a:rPr lang="en-US" sz="1400" kern="1200" dirty="0">
+                        <a:rPr lang="en-US" sz="1200" kern="1200" dirty="0">
                           <a:solidFill>
                             <a:schemeClr val="dk1"/>
                           </a:solidFill>
@@ -4855,7 +6347,7 @@
                         <a:defRPr/>
                       </a:pPr>
                       <a:r>
-                        <a:rPr lang="en-US" sz="1400" kern="1200" dirty="0">
+                        <a:rPr lang="en-US" sz="1200" i="1" kern="1200" dirty="0">
                           <a:solidFill>
                             <a:schemeClr val="dk1"/>
                           </a:solidFill>
@@ -4863,7 +6355,18 @@
                           <a:ea typeface="+mn-ea"/>
                           <a:cs typeface="+mn-cs"/>
                         </a:rPr>
-                        <a:t>Query rewriting technique into first-order logic with counting (IJCAI 2020)</a:t>
+                        <a:t>Counting Query Answers over a DL-Lite KB (IJCAI 2020) </a:t>
+                      </a:r>
+                      <a:r>
+                        <a:rPr lang="en-US" sz="1200" kern="1200" dirty="0">
+                          <a:solidFill>
+                            <a:schemeClr val="dk1"/>
+                          </a:solidFill>
+                          <a:latin typeface="+mn-lt"/>
+                          <a:ea typeface="+mn-ea"/>
+                          <a:cs typeface="+mn-cs"/>
+                        </a:rPr>
+                        <a:t>--- Query rewriting technique into first-order logic with counting </a:t>
                       </a:r>
                     </a:p>
                     <a:p>
@@ -4885,7 +6388,7 @@
                         <a:defRPr/>
                       </a:pPr>
                       <a:r>
-                        <a:rPr lang="en-US" sz="1400" kern="1200" dirty="0">
+                        <a:rPr lang="en-US" sz="1200" i="1" kern="1200" dirty="0" err="1">
                           <a:solidFill>
                             <a:schemeClr val="dk1"/>
                           </a:solidFill>
@@ -4893,18 +6396,30 @@
                           <a:ea typeface="+mn-ea"/>
                           <a:cs typeface="+mn-cs"/>
                         </a:rPr>
-                        <a:t>Extract quantity facts from text (ISWC 2019)</a:t>
+                        <a:t>Qsearch</a:t>
                       </a:r>
-                    </a:p>
-                    <a:p>
-                      <a:endParaRPr lang="en-US" sz="1400" kern="1200" dirty="0">
-                        <a:solidFill>
-                          <a:schemeClr val="dk1"/>
-                        </a:solidFill>
-                        <a:latin typeface="+mn-lt"/>
-                        <a:ea typeface="+mn-ea"/>
-                        <a:cs typeface="+mn-cs"/>
-                      </a:endParaRPr>
+                      <a:r>
+                        <a:rPr lang="en-US" sz="1200" i="1" kern="1200" dirty="0">
+                          <a:solidFill>
+                            <a:schemeClr val="dk1"/>
+                          </a:solidFill>
+                          <a:latin typeface="+mn-lt"/>
+                          <a:ea typeface="+mn-ea"/>
+                          <a:cs typeface="+mn-cs"/>
+                        </a:rPr>
+                        <a:t>: Answering Quantity Queries from Text</a:t>
+                      </a:r>
+                      <a:r>
+                        <a:rPr lang="en-US" sz="1200" kern="1200" dirty="0">
+                          <a:solidFill>
+                            <a:schemeClr val="dk1"/>
+                          </a:solidFill>
+                          <a:latin typeface="+mn-lt"/>
+                          <a:ea typeface="+mn-ea"/>
+                          <a:cs typeface="+mn-cs"/>
+                        </a:rPr>
+                        <a:t> (ISWC 2019) ---  Extract quantity facts from text (ISWC 2019)</a:t>
+                      </a:r>
                     </a:p>
                   </a:txBody>
                   <a:tcPr/>
@@ -4939,7 +6454,7 @@
                         <a:defRPr/>
                       </a:pPr>
                       <a:r>
-                        <a:rPr lang="en-US" sz="1400" kern="1200" dirty="0">
+                        <a:rPr lang="en-US" sz="1200" kern="1200" dirty="0">
                           <a:solidFill>
                             <a:schemeClr val="dk1"/>
                           </a:solidFill>
@@ -4976,7 +6491,7 @@
                         <a:defRPr/>
                       </a:pPr>
                       <a:r>
-                        <a:rPr lang="en-US" sz="1400" kern="1200" dirty="0">
+                        <a:rPr lang="en-US" sz="1200" i="1" kern="1200" dirty="0">
                           <a:solidFill>
                             <a:schemeClr val="dk1"/>
                           </a:solidFill>
@@ -4984,10 +6499,10 @@
                           <a:ea typeface="+mn-ea"/>
                           <a:cs typeface="+mn-cs"/>
                         </a:rPr>
-                        <a:t>Skeleton-based semantic </a:t>
+                        <a:t>SPARQA: Skeleton-based Semantic Parsing for Complex Questions over Knowledge Bases (AAAI 2020)</a:t>
                       </a:r>
                       <a:r>
-                        <a:rPr lang="en-US" sz="1400" kern="1200" dirty="0" err="1">
+                        <a:rPr lang="en-US" sz="1200" kern="1200" dirty="0">
                           <a:solidFill>
                             <a:schemeClr val="dk1"/>
                           </a:solidFill>
@@ -4995,18 +6510,7 @@
                           <a:ea typeface="+mn-ea"/>
                           <a:cs typeface="+mn-cs"/>
                         </a:rPr>
-                        <a:t>PARsing</a:t>
-                      </a:r>
-                      <a:r>
-                        <a:rPr lang="en-US" sz="1400" kern="1200" dirty="0">
-                          <a:solidFill>
-                            <a:schemeClr val="dk1"/>
-                          </a:solidFill>
-                          <a:latin typeface="+mn-lt"/>
-                          <a:ea typeface="+mn-ea"/>
-                          <a:cs typeface="+mn-cs"/>
-                        </a:rPr>
-                        <a:t> for Question Answering (AAAI 2020)</a:t>
+                        <a:t> </a:t>
                       </a:r>
                     </a:p>
                     <a:p>
@@ -5028,7 +6532,7 @@
                         <a:defRPr/>
                       </a:pPr>
                       <a:r>
-                        <a:rPr lang="en-US" sz="1400" kern="1200" dirty="0">
+                        <a:rPr lang="en-US" sz="1200" i="1" kern="1200" dirty="0">
                           <a:solidFill>
                             <a:schemeClr val="dk1"/>
                           </a:solidFill>
@@ -5036,7 +6540,18 @@
                           <a:ea typeface="+mn-ea"/>
                           <a:cs typeface="+mn-cs"/>
                         </a:rPr>
-                        <a:t>Mapping an adjective to several existential restrictions or their negation forms (ISWC 2019)</a:t>
+                        <a:t>Mapping Factoid Adjective Constraints to Existential Restrictions over Knowledge Bases (ISWC 2019) </a:t>
+                      </a:r>
+                      <a:r>
+                        <a:rPr lang="en-US" sz="1200" kern="1200" dirty="0">
+                          <a:solidFill>
+                            <a:schemeClr val="dk1"/>
+                          </a:solidFill>
+                          <a:latin typeface="+mn-lt"/>
+                          <a:ea typeface="+mn-ea"/>
+                          <a:cs typeface="+mn-cs"/>
+                        </a:rPr>
+                        <a:t>--- Mapping an adjective to several existential restrictions or their negation forms </a:t>
                       </a:r>
                     </a:p>
                     <a:p>
@@ -5058,7 +6573,7 @@
                         <a:defRPr/>
                       </a:pPr>
                       <a:r>
-                        <a:rPr lang="en-US" sz="1400" kern="1200" dirty="0">
+                        <a:rPr lang="en-US" sz="1200" i="1" kern="1200" dirty="0">
                           <a:solidFill>
                             <a:schemeClr val="dk1"/>
                           </a:solidFill>
@@ -5066,7 +6581,37 @@
                           <a:ea typeface="+mn-ea"/>
                           <a:cs typeface="+mn-cs"/>
                         </a:rPr>
-                        <a:t>Complex Knowledge Base Question Answering via Alternate Meta-learning (IJCAI 2020)</a:t>
+                        <a:t>Retrieve, Program, Repeat: Complex Knowledge Base Question Answering via Alternate Meta-learning (IJCAI 2020)</a:t>
+                      </a:r>
+                    </a:p>
+                    <a:p>
+                      <a:pPr marL="285750" marR="0" lvl="0" indent="-285750" algn="l" defTabSz="914400" rtl="0" eaLnBrk="1" fontAlgn="auto" latinLnBrk="0" hangingPunct="1">
+                        <a:lnSpc>
+                          <a:spcPct val="100000"/>
+                        </a:lnSpc>
+                        <a:spcBef>
+                          <a:spcPts val="0"/>
+                        </a:spcBef>
+                        <a:spcAft>
+                          <a:spcPts val="0"/>
+                        </a:spcAft>
+                        <a:buClrTx/>
+                        <a:buSzTx/>
+                        <a:buFont typeface="Arial" panose="020B0604020202020204" pitchFamily="34" charset="0"/>
+                        <a:buChar char="•"/>
+                        <a:tabLst/>
+                        <a:defRPr/>
+                      </a:pPr>
+                      <a:r>
+                        <a:rPr lang="en-US" sz="1200" i="1" kern="1200" dirty="0">
+                          <a:solidFill>
+                            <a:schemeClr val="dk1"/>
+                          </a:solidFill>
+                          <a:latin typeface="+mn-lt"/>
+                          <a:ea typeface="+mn-ea"/>
+                          <a:cs typeface="+mn-cs"/>
+                        </a:rPr>
+                        <a:t>Learning to Rank Query Graphs for Complex Question Answering over Knowledge Graphs (ISWC 2019)</a:t>
                       </a:r>
                     </a:p>
                   </a:txBody>
@@ -5102,7 +6647,7 @@
                         <a:defRPr/>
                       </a:pPr>
                       <a:r>
-                        <a:rPr lang="en-US" sz="1400" kern="1200" dirty="0">
+                        <a:rPr lang="en-US" sz="1200" kern="1200" dirty="0">
                           <a:solidFill>
                             <a:schemeClr val="dk1"/>
                           </a:solidFill>
@@ -5139,7 +6684,7 @@
                         <a:defRPr/>
                       </a:pPr>
                       <a:r>
-                        <a:rPr lang="en-US" sz="1400" kern="1200" dirty="0">
+                        <a:rPr lang="en-US" sz="1200" i="1" kern="1200" dirty="0">
                           <a:solidFill>
                             <a:schemeClr val="dk1"/>
                           </a:solidFill>
@@ -5147,7 +6692,18 @@
                           <a:ea typeface="+mn-ea"/>
                           <a:cs typeface="+mn-cs"/>
                         </a:rPr>
-                        <a:t>Rewrites/absorbs a conjunctive query into several simple axioms such that minor extensions of the tableau algorithm appropriately create and propagate bindings for variables through completion graphs. (ISWC 2019)</a:t>
+                        <a:t>Absorption-Based Query Answering for Expressive Description Logics (ISWC 2019) </a:t>
+                      </a:r>
+                      <a:r>
+                        <a:rPr lang="en-US" sz="1200" kern="1200" dirty="0">
+                          <a:solidFill>
+                            <a:schemeClr val="dk1"/>
+                          </a:solidFill>
+                          <a:latin typeface="+mn-lt"/>
+                          <a:ea typeface="+mn-ea"/>
+                          <a:cs typeface="+mn-cs"/>
+                        </a:rPr>
+                        <a:t>--- Rewrites/absorbs a conjunctive query into several simple axioms such that minor extensions of the tableau algorithm appropriately create and propagate bindings for variables through completion graphs. </a:t>
                       </a:r>
                     </a:p>
                     <a:p>
@@ -5169,7 +6725,7 @@
                         <a:defRPr/>
                       </a:pPr>
                       <a:r>
-                        <a:rPr lang="en-US" sz="1400" kern="1200" dirty="0">
+                        <a:rPr lang="en-US" sz="1200" i="1" kern="1200" dirty="0">
                           <a:solidFill>
                             <a:schemeClr val="dk1"/>
                           </a:solidFill>
@@ -5177,11 +6733,22 @@
                           <a:ea typeface="+mn-ea"/>
                           <a:cs typeface="+mn-cs"/>
                         </a:rPr>
-                        <a:t>Numerical aggregators/rewrite expensive queries into a set of queries that each satisfy the fair use policy. (ISWC 2019)</a:t>
+                        <a:t>Anytime Large-Scale Analytics of Linked Open Data (ISWC 2019) </a:t>
+                      </a:r>
+                      <a:r>
+                        <a:rPr lang="en-US" sz="1200" kern="1200" dirty="0">
+                          <a:solidFill>
+                            <a:schemeClr val="dk1"/>
+                          </a:solidFill>
+                          <a:latin typeface="+mn-lt"/>
+                          <a:ea typeface="+mn-ea"/>
+                          <a:cs typeface="+mn-cs"/>
+                        </a:rPr>
+                        <a:t>--- Numerical aggregators/rewrite expensive queries into a set of queries that each satisfy the fair use policy. </a:t>
                       </a:r>
                     </a:p>
                     <a:p>
-                      <a:endParaRPr lang="en-US" sz="1400" kern="1200" dirty="0">
+                      <a:endParaRPr lang="en-US" sz="1200" kern="1200" dirty="0">
                         <a:solidFill>
                           <a:schemeClr val="dk1"/>
                         </a:solidFill>
@@ -5217,8 +6784,8 @@
         </p:nvSpPr>
         <p:spPr>
           <a:xfrm>
-            <a:off x="1614791" y="5846543"/>
-            <a:ext cx="8064229" cy="646331"/>
+            <a:off x="1258957" y="5974400"/>
+            <a:ext cx="9024730" cy="646331"/>
           </a:xfrm>
           <a:prstGeom prst="rect">
             <a:avLst/>

--- a/Presentation2.pptx
+++ b/Presentation2.pptx
@@ -5,13 +5,12 @@
     <p:sldMasterId id="2147483648" r:id="rId1"/>
   </p:sldMasterIdLst>
   <p:sldIdLst>
-    <p:sldId id="256" r:id="rId2"/>
-    <p:sldId id="284" r:id="rId3"/>
-    <p:sldId id="285" r:id="rId4"/>
-    <p:sldId id="286" r:id="rId5"/>
-    <p:sldId id="287" r:id="rId6"/>
-    <p:sldId id="289" r:id="rId7"/>
-    <p:sldId id="288" r:id="rId8"/>
+    <p:sldId id="284" r:id="rId2"/>
+    <p:sldId id="285" r:id="rId3"/>
+    <p:sldId id="286" r:id="rId4"/>
+    <p:sldId id="287" r:id="rId5"/>
+    <p:sldId id="289" r:id="rId6"/>
+    <p:sldId id="288" r:id="rId7"/>
   </p:sldIdLst>
   <p:sldSz cx="12192000" cy="6858000"/>
   <p:notesSz cx="6858000" cy="9144000"/>
@@ -3332,86 +3331,6 @@
           <p:cNvPr id="2" name="Title 1">
             <a:extLst>
               <a:ext uri="{FF2B5EF4-FFF2-40B4-BE49-F238E27FC236}">
-                <a16:creationId xmlns:a16="http://schemas.microsoft.com/office/drawing/2014/main" id="{D0432554-1AA7-794A-BAF4-E899ADE770DF}"/>
-              </a:ext>
-            </a:extLst>
-          </p:cNvPr>
-          <p:cNvSpPr>
-            <a:spLocks noGrp="1"/>
-          </p:cNvSpPr>
-          <p:nvPr>
-            <p:ph type="ctrTitle"/>
-          </p:nvPr>
-        </p:nvSpPr>
-        <p:spPr/>
-        <p:txBody>
-          <a:bodyPr/>
-          <a:lstStyle/>
-          <a:p>
-            <a:endParaRPr lang="en-US"/>
-          </a:p>
-        </p:txBody>
-      </p:sp>
-      <p:sp>
-        <p:nvSpPr>
-          <p:cNvPr id="3" name="Subtitle 2">
-            <a:extLst>
-              <a:ext uri="{FF2B5EF4-FFF2-40B4-BE49-F238E27FC236}">
-                <a16:creationId xmlns:a16="http://schemas.microsoft.com/office/drawing/2014/main" id="{3C6F6B0A-4B73-3D40-944B-D6C495CF3AE6}"/>
-              </a:ext>
-            </a:extLst>
-          </p:cNvPr>
-          <p:cNvSpPr>
-            <a:spLocks noGrp="1"/>
-          </p:cNvSpPr>
-          <p:nvPr>
-            <p:ph type="subTitle" idx="1"/>
-          </p:nvPr>
-        </p:nvSpPr>
-        <p:spPr/>
-        <p:txBody>
-          <a:bodyPr/>
-          <a:lstStyle/>
-          <a:p>
-            <a:endParaRPr lang="en-US"/>
-          </a:p>
-        </p:txBody>
-      </p:sp>
-    </p:spTree>
-    <p:extLst>
-      <p:ext uri="{BB962C8B-B14F-4D97-AF65-F5344CB8AC3E}">
-        <p14:creationId xmlns:p14="http://schemas.microsoft.com/office/powerpoint/2010/main" val="3209939351"/>
-      </p:ext>
-    </p:extLst>
-  </p:cSld>
-  <p:clrMapOvr>
-    <a:masterClrMapping/>
-  </p:clrMapOvr>
-</p:sld>
-</file>
-
-<file path=ppt/slides/slide2.xml><?xml version="1.0" encoding="utf-8"?>
-<p:sld xmlns:a="http://schemas.openxmlformats.org/drawingml/2006/main" xmlns:r="http://schemas.openxmlformats.org/officeDocument/2006/relationships" xmlns:p="http://schemas.openxmlformats.org/presentationml/2006/main">
-  <p:cSld>
-    <p:spTree>
-      <p:nvGrpSpPr>
-        <p:cNvPr id="1" name=""/>
-        <p:cNvGrpSpPr/>
-        <p:nvPr/>
-      </p:nvGrpSpPr>
-      <p:grpSpPr>
-        <a:xfrm>
-          <a:off x="0" y="0"/>
-          <a:ext cx="0" cy="0"/>
-          <a:chOff x="0" y="0"/>
-          <a:chExt cx="0" cy="0"/>
-        </a:xfrm>
-      </p:grpSpPr>
-      <p:sp>
-        <p:nvSpPr>
-          <p:cNvPr id="2" name="Title 1">
-            <a:extLst>
-              <a:ext uri="{FF2B5EF4-FFF2-40B4-BE49-F238E27FC236}">
                 <a16:creationId xmlns:a16="http://schemas.microsoft.com/office/drawing/2014/main" id="{1E702A63-88B4-794B-97B4-E77C09E4639E}"/>
               </a:ext>
             </a:extLst>
@@ -3550,6 +3469,11 @@
             <a:avLst/>
           </a:prstGeom>
           <a:noFill/>
+          <a:ln>
+            <a:solidFill>
+              <a:schemeClr val="tx1"/>
+            </a:solidFill>
+          </a:ln>
         </p:spPr>
         <p:style>
           <a:lnRef idx="2">
@@ -3590,13 +3514,16 @@
         </p:nvSpPr>
         <p:spPr>
           <a:xfrm>
-            <a:off x="8333603" y="4529809"/>
+            <a:off x="8179834" y="4525570"/>
             <a:ext cx="2101174" cy="307777"/>
           </a:xfrm>
           <a:prstGeom prst="rect">
             <a:avLst/>
           </a:prstGeom>
           <a:noFill/>
+          <a:ln>
+            <a:noFill/>
+          </a:ln>
         </p:spPr>
         <p:txBody>
           <a:bodyPr wrap="square" rtlCol="0">
@@ -3637,6 +3564,11 @@
               <a:lumOff val="40000"/>
             </a:schemeClr>
           </a:solidFill>
+          <a:ln>
+            <a:solidFill>
+              <a:schemeClr val="tx1"/>
+            </a:solidFill>
+          </a:ln>
         </p:spPr>
         <p:style>
           <a:lnRef idx="2">
@@ -3677,13 +3609,16 @@
         </p:nvSpPr>
         <p:spPr>
           <a:xfrm>
-            <a:off x="7827764" y="4029730"/>
+            <a:off x="7698604" y="4041326"/>
             <a:ext cx="2607013" cy="307777"/>
           </a:xfrm>
           <a:prstGeom prst="rect">
             <a:avLst/>
           </a:prstGeom>
           <a:noFill/>
+          <a:ln>
+            <a:noFill/>
+          </a:ln>
         </p:spPr>
         <p:txBody>
           <a:bodyPr wrap="square" rtlCol="0">
@@ -3719,6 +3654,11 @@
             <a:avLst/>
           </a:prstGeom>
           <a:noFill/>
+          <a:ln>
+            <a:solidFill>
+              <a:schemeClr val="tx1"/>
+            </a:solidFill>
+          </a:ln>
         </p:spPr>
         <p:style>
           <a:lnRef idx="2">
@@ -3766,6 +3706,9 @@
             <a:avLst/>
           </a:prstGeom>
           <a:noFill/>
+          <a:ln>
+            <a:noFill/>
+          </a:ln>
         </p:spPr>
         <p:txBody>
           <a:bodyPr wrap="square" rtlCol="0">
@@ -3801,6 +3744,11 @@
             <a:avLst/>
           </a:prstGeom>
           <a:noFill/>
+          <a:ln>
+            <a:solidFill>
+              <a:schemeClr val="tx1"/>
+            </a:solidFill>
+          </a:ln>
         </p:spPr>
         <p:style>
           <a:lnRef idx="2">
@@ -3855,6 +3803,11 @@
             <a:avLst/>
           </a:prstGeom>
           <a:noFill/>
+          <a:ln>
+            <a:solidFill>
+              <a:schemeClr val="tx1"/>
+            </a:solidFill>
+          </a:ln>
         </p:spPr>
         <p:style>
           <a:lnRef idx="2">
@@ -3902,6 +3855,9 @@
             <a:avLst/>
           </a:prstGeom>
           <a:noFill/>
+          <a:ln>
+            <a:noFill/>
+          </a:ln>
         </p:spPr>
         <p:txBody>
           <a:bodyPr wrap="square" rtlCol="0">
@@ -3939,7 +3895,7 @@
           <a:noFill/>
           <a:ln>
             <a:solidFill>
-              <a:schemeClr val="accent1"/>
+              <a:schemeClr val="tx1"/>
             </a:solidFill>
           </a:ln>
         </p:spPr>
@@ -3979,7 +3935,7 @@
           <a:noFill/>
           <a:ln>
             <a:solidFill>
-              <a:schemeClr val="accent1"/>
+              <a:schemeClr val="tx1"/>
             </a:solidFill>
           </a:ln>
         </p:spPr>
@@ -4019,7 +3975,7 @@
           <a:noFill/>
           <a:ln>
             <a:solidFill>
-              <a:schemeClr val="accent1"/>
+              <a:schemeClr val="tx1"/>
             </a:solidFill>
           </a:ln>
         </p:spPr>
@@ -4059,7 +4015,7 @@
           <a:noFill/>
           <a:ln>
             <a:solidFill>
-              <a:schemeClr val="accent1"/>
+              <a:schemeClr val="tx1"/>
             </a:solidFill>
           </a:ln>
         </p:spPr>
@@ -4099,7 +4055,7 @@
           <a:noFill/>
           <a:ln>
             <a:solidFill>
-              <a:schemeClr val="accent1"/>
+              <a:schemeClr val="tx1"/>
             </a:solidFill>
           </a:ln>
         </p:spPr>
@@ -4139,7 +4095,7 @@
           <a:noFill/>
           <a:ln>
             <a:solidFill>
-              <a:schemeClr val="accent1"/>
+              <a:schemeClr val="tx1"/>
             </a:solidFill>
           </a:ln>
         </p:spPr>
@@ -4179,7 +4135,7 @@
           <a:noFill/>
           <a:ln>
             <a:solidFill>
-              <a:schemeClr val="accent1"/>
+              <a:schemeClr val="tx1"/>
             </a:solidFill>
           </a:ln>
         </p:spPr>
@@ -4219,7 +4175,7 @@
           <a:noFill/>
           <a:ln>
             <a:solidFill>
-              <a:schemeClr val="accent1"/>
+              <a:schemeClr val="tx1"/>
             </a:solidFill>
           </a:ln>
         </p:spPr>
@@ -4259,7 +4215,7 @@
           <a:noFill/>
           <a:ln>
             <a:solidFill>
-              <a:schemeClr val="accent1"/>
+              <a:schemeClr val="tx1"/>
             </a:solidFill>
           </a:ln>
         </p:spPr>
@@ -4299,7 +4255,7 @@
           <a:noFill/>
           <a:ln>
             <a:solidFill>
-              <a:schemeClr val="accent1"/>
+              <a:schemeClr val="tx1"/>
             </a:solidFill>
           </a:ln>
         </p:spPr>
@@ -4339,7 +4295,7 @@
           <a:noFill/>
           <a:ln>
             <a:solidFill>
-              <a:schemeClr val="accent1"/>
+              <a:schemeClr val="tx1"/>
             </a:solidFill>
           </a:ln>
         </p:spPr>
@@ -4379,7 +4335,7 @@
           <a:noFill/>
           <a:ln>
             <a:solidFill>
-              <a:schemeClr val="accent1"/>
+              <a:schemeClr val="tx1"/>
             </a:solidFill>
           </a:ln>
         </p:spPr>
@@ -4492,6 +4448,11 @@
           <a:prstGeom prst="downArrow">
             <a:avLst/>
           </a:prstGeom>
+          <a:ln>
+            <a:solidFill>
+              <a:schemeClr val="tx1"/>
+            </a:solidFill>
+          </a:ln>
         </p:spPr>
         <p:style>
           <a:lnRef idx="2">
@@ -4541,7 +4502,7 @@
           <a:noFill/>
           <a:ln>
             <a:solidFill>
-              <a:schemeClr val="accent1"/>
+              <a:schemeClr val="tx1"/>
             </a:solidFill>
           </a:ln>
         </p:spPr>
@@ -4678,6 +4639,46 @@
           </a:p>
         </p:txBody>
       </p:sp>
+      <p:sp>
+        <p:nvSpPr>
+          <p:cNvPr id="42" name="TextBox 41">
+            <a:extLst>
+              <a:ext uri="{FF2B5EF4-FFF2-40B4-BE49-F238E27FC236}">
+                <a16:creationId xmlns:a16="http://schemas.microsoft.com/office/drawing/2014/main" id="{37F03369-083A-7745-8670-63579B2C6F25}"/>
+              </a:ext>
+            </a:extLst>
+          </p:cNvPr>
+          <p:cNvSpPr txBox="1"/>
+          <p:nvPr/>
+        </p:nvSpPr>
+        <p:spPr>
+          <a:xfrm>
+            <a:off x="8327957" y="1480000"/>
+            <a:ext cx="2578100" cy="308894"/>
+          </a:xfrm>
+          <a:prstGeom prst="rect">
+            <a:avLst/>
+          </a:prstGeom>
+          <a:noFill/>
+          <a:ln>
+            <a:solidFill>
+              <a:schemeClr val="tx1"/>
+            </a:solidFill>
+          </a:ln>
+        </p:spPr>
+        <p:txBody>
+          <a:bodyPr wrap="square" rtlCol="0">
+            <a:spAutoFit/>
+          </a:bodyPr>
+          <a:lstStyle/>
+          <a:p>
+            <a:r>
+              <a:rPr lang="en-US" sz="1400" dirty="0"/>
+              <a:t>Community detection research</a:t>
+            </a:r>
+          </a:p>
+        </p:txBody>
+      </p:sp>
     </p:spTree>
     <p:extLst>
       <p:ext uri="{BB962C8B-B14F-4D97-AF65-F5344CB8AC3E}">
@@ -4691,7 +4692,7 @@
 </p:sld>
 </file>
 
-<file path=ppt/slides/slide3.xml><?xml version="1.0" encoding="utf-8"?>
+<file path=ppt/slides/slide2.xml><?xml version="1.0" encoding="utf-8"?>
 <p:sld xmlns:a="http://schemas.openxmlformats.org/drawingml/2006/main" xmlns:r="http://schemas.openxmlformats.org/officeDocument/2006/relationships" xmlns:p="http://schemas.openxmlformats.org/presentationml/2006/main">
   <p:cSld>
     <p:spTree>
@@ -5233,7 +5234,7 @@
 </p:sld>
 </file>
 
-<file path=ppt/slides/slide4.xml><?xml version="1.0" encoding="utf-8"?>
+<file path=ppt/slides/slide3.xml><?xml version="1.0" encoding="utf-8"?>
 <p:sld xmlns:a="http://schemas.openxmlformats.org/drawingml/2006/main" xmlns:r="http://schemas.openxmlformats.org/officeDocument/2006/relationships" xmlns:p="http://schemas.openxmlformats.org/presentationml/2006/main">
   <p:cSld>
     <p:spTree>
@@ -5298,7 +5299,7 @@
         </p:nvSpPr>
         <p:spPr>
           <a:xfrm>
-            <a:off x="988541" y="525763"/>
+            <a:off x="988541" y="392366"/>
             <a:ext cx="10515600" cy="549275"/>
           </a:xfrm>
         </p:spPr>
@@ -5329,8 +5330,8 @@
         </p:nvSpPr>
         <p:spPr>
           <a:xfrm>
-            <a:off x="988541" y="1092792"/>
-            <a:ext cx="5412259" cy="923330"/>
+            <a:off x="988541" y="977983"/>
+            <a:ext cx="5412259" cy="1754326"/>
           </a:xfrm>
           <a:prstGeom prst="rect">
             <a:avLst/>
@@ -5345,7 +5346,7 @@
           <a:p>
             <a:r>
               <a:rPr lang="en-US" dirty="0"/>
-              <a:t>Relation extraction is to solve the problem of entity semantic linking, which is of great significance to many natural language processing applications.</a:t>
+              <a:t>Constructing a knowledge graph includes ontology construction, annotated data, relation extraction, and ontology inspection. Relation extraction (RE) aims at extracting the relation between two entities from the text corpora. It is a crucial task for Knowledge Graph (KG) construction.</a:t>
             </a:r>
           </a:p>
         </p:txBody>
@@ -5372,12 +5373,15 @@
         </p:blipFill>
         <p:spPr>
           <a:xfrm>
-            <a:off x="988541" y="2547643"/>
+            <a:off x="988541" y="2847118"/>
             <a:ext cx="4978400" cy="2755900"/>
           </a:xfrm>
           <a:prstGeom prst="rect">
             <a:avLst/>
           </a:prstGeom>
+          <a:ln>
+            <a:noFill/>
+          </a:ln>
         </p:spPr>
       </p:pic>
       <p:sp>
@@ -5394,7 +5398,7 @@
         </p:nvSpPr>
         <p:spPr>
           <a:xfrm>
-            <a:off x="1521940" y="5639360"/>
+            <a:off x="1859007" y="5830407"/>
             <a:ext cx="3200400" cy="276999"/>
           </a:xfrm>
           <a:prstGeom prst="rect">
@@ -5429,7 +5433,7 @@
         </p:nvSpPr>
         <p:spPr>
           <a:xfrm>
-            <a:off x="7095524" y="5686386"/>
+            <a:off x="7095524" y="5809424"/>
             <a:ext cx="3237469" cy="276999"/>
           </a:xfrm>
           <a:prstGeom prst="rect">
@@ -5506,7 +5510,7 @@
 </p:sld>
 </file>
 
-<file path=ppt/slides/slide5.xml><?xml version="1.0" encoding="utf-8"?>
+<file path=ppt/slides/slide4.xml><?xml version="1.0" encoding="utf-8"?>
 <p:sld xmlns:a="http://schemas.openxmlformats.org/drawingml/2006/main" xmlns:r="http://schemas.openxmlformats.org/officeDocument/2006/relationships" xmlns:p="http://schemas.openxmlformats.org/presentationml/2006/main">
   <p:cSld>
     <p:spTree>
@@ -5552,7 +5556,7 @@
           <a:lstStyle/>
           <a:p>
             <a:r>
-              <a:rPr lang="en-US" sz="1800" dirty="0"/>
+              <a:rPr lang="en-US" sz="1800" b="1" dirty="0"/>
               <a:t>Relation Extraction</a:t>
             </a:r>
           </a:p>
@@ -5957,10 +5961,110 @@
           </a:graphicData>
         </a:graphic>
       </p:graphicFrame>
+      <p:sp>
+        <p:nvSpPr>
+          <p:cNvPr id="6" name="TextBox 5">
+            <a:extLst>
+              <a:ext uri="{FF2B5EF4-FFF2-40B4-BE49-F238E27FC236}">
+                <a16:creationId xmlns:a16="http://schemas.microsoft.com/office/drawing/2014/main" id="{D56F1D9C-CBA1-104B-AE24-F00A8364B353}"/>
+              </a:ext>
+            </a:extLst>
+          </p:cNvPr>
+          <p:cNvSpPr txBox="1"/>
+          <p:nvPr/>
+        </p:nvSpPr>
+        <p:spPr>
+          <a:xfrm>
+            <a:off x="1073427" y="4770783"/>
+            <a:ext cx="10005390" cy="369332"/>
+          </a:xfrm>
+          <a:prstGeom prst="rect">
+            <a:avLst/>
+          </a:prstGeom>
+          <a:noFill/>
+        </p:spPr>
+        <p:txBody>
+          <a:bodyPr wrap="square" rtlCol="0">
+            <a:spAutoFit/>
+          </a:bodyPr>
+          <a:lstStyle/>
+          <a:p>
+            <a:r>
+              <a:rPr lang="en-US" dirty="0"/>
+              <a:t>Trend : few-shot/long-tailed data which need incorporate extra context and knowledge.</a:t>
+            </a:r>
+          </a:p>
+        </p:txBody>
+      </p:sp>
     </p:spTree>
     <p:extLst>
       <p:ext uri="{BB962C8B-B14F-4D97-AF65-F5344CB8AC3E}">
         <p14:creationId xmlns:p14="http://schemas.microsoft.com/office/powerpoint/2010/main" val="3940696554"/>
+      </p:ext>
+    </p:extLst>
+  </p:cSld>
+  <p:clrMapOvr>
+    <a:masterClrMapping/>
+  </p:clrMapOvr>
+</p:sld>
+</file>
+
+<file path=ppt/slides/slide5.xml><?xml version="1.0" encoding="utf-8"?>
+<p:sld xmlns:a="http://schemas.openxmlformats.org/drawingml/2006/main" xmlns:r="http://schemas.openxmlformats.org/officeDocument/2006/relationships" xmlns:p="http://schemas.openxmlformats.org/presentationml/2006/main">
+  <p:cSld>
+    <p:spTree>
+      <p:nvGrpSpPr>
+        <p:cNvPr id="1" name=""/>
+        <p:cNvGrpSpPr/>
+        <p:nvPr/>
+      </p:nvGrpSpPr>
+      <p:grpSpPr>
+        <a:xfrm>
+          <a:off x="0" y="0"/>
+          <a:ext cx="0" cy="0"/>
+          <a:chOff x="0" y="0"/>
+          <a:chExt cx="0" cy="0"/>
+        </a:xfrm>
+      </p:grpSpPr>
+      <p:sp>
+        <p:nvSpPr>
+          <p:cNvPr id="4" name="Title 1">
+            <a:extLst>
+              <a:ext uri="{FF2B5EF4-FFF2-40B4-BE49-F238E27FC236}">
+                <a16:creationId xmlns:a16="http://schemas.microsoft.com/office/drawing/2014/main" id="{A0516CD5-26C9-BC43-8568-C4D45851C6A6}"/>
+              </a:ext>
+            </a:extLst>
+          </p:cNvPr>
+          <p:cNvSpPr>
+            <a:spLocks noGrp="1"/>
+          </p:cNvSpPr>
+          <p:nvPr>
+            <p:ph type="title"/>
+          </p:nvPr>
+        </p:nvSpPr>
+        <p:spPr>
+          <a:xfrm>
+            <a:off x="838200" y="237269"/>
+            <a:ext cx="2355574" cy="403360"/>
+          </a:xfrm>
+        </p:spPr>
+        <p:txBody>
+          <a:bodyPr>
+            <a:normAutofit/>
+          </a:bodyPr>
+          <a:lstStyle/>
+          <a:p>
+            <a:r>
+              <a:rPr lang="en-US" sz="1600" b="1" dirty="0"/>
+              <a:t>Q&amp;A / Query</a:t>
+            </a:r>
+          </a:p>
+        </p:txBody>
+      </p:sp>
+    </p:spTree>
+    <p:extLst>
+      <p:ext uri="{BB962C8B-B14F-4D97-AF65-F5344CB8AC3E}">
+        <p14:creationId xmlns:p14="http://schemas.microsoft.com/office/powerpoint/2010/main" val="3794745244"/>
       </p:ext>
     </p:extLst>
   </p:cSld>
@@ -5992,7 +6096,7 @@
           <p:cNvPr id="2" name="Title 1">
             <a:extLst>
               <a:ext uri="{FF2B5EF4-FFF2-40B4-BE49-F238E27FC236}">
-                <a16:creationId xmlns:a16="http://schemas.microsoft.com/office/drawing/2014/main" id="{F482B9D1-916A-524F-BB54-F015B34B4D63}"/>
+                <a16:creationId xmlns:a16="http://schemas.microsoft.com/office/drawing/2014/main" id="{B577FF04-4935-5C4A-98D8-25B6695714F0}"/>
               </a:ext>
             </a:extLst>
           </p:cNvPr>
@@ -6003,90 +6107,10 @@
             <p:ph type="title"/>
           </p:nvPr>
         </p:nvSpPr>
-        <p:spPr/>
-        <p:txBody>
-          <a:bodyPr/>
-          <a:lstStyle/>
-          <a:p>
-            <a:endParaRPr lang="en-US"/>
-          </a:p>
-        </p:txBody>
-      </p:sp>
-      <p:sp>
-        <p:nvSpPr>
-          <p:cNvPr id="3" name="Content Placeholder 2">
-            <a:extLst>
-              <a:ext uri="{FF2B5EF4-FFF2-40B4-BE49-F238E27FC236}">
-                <a16:creationId xmlns:a16="http://schemas.microsoft.com/office/drawing/2014/main" id="{A1DB4332-5CC5-5D4D-B0D0-D6F7E3AF1E98}"/>
-              </a:ext>
-            </a:extLst>
-          </p:cNvPr>
-          <p:cNvSpPr>
-            <a:spLocks noGrp="1"/>
-          </p:cNvSpPr>
-          <p:nvPr>
-            <p:ph idx="1"/>
-          </p:nvPr>
-        </p:nvSpPr>
-        <p:spPr/>
-        <p:txBody>
-          <a:bodyPr/>
-          <a:lstStyle/>
-          <a:p>
-            <a:endParaRPr lang="en-US"/>
-          </a:p>
-        </p:txBody>
-      </p:sp>
-    </p:spTree>
-    <p:extLst>
-      <p:ext uri="{BB962C8B-B14F-4D97-AF65-F5344CB8AC3E}">
-        <p14:creationId xmlns:p14="http://schemas.microsoft.com/office/powerpoint/2010/main" val="3794745244"/>
-      </p:ext>
-    </p:extLst>
-  </p:cSld>
-  <p:clrMapOvr>
-    <a:masterClrMapping/>
-  </p:clrMapOvr>
-</p:sld>
-</file>
-
-<file path=ppt/slides/slide7.xml><?xml version="1.0" encoding="utf-8"?>
-<p:sld xmlns:a="http://schemas.openxmlformats.org/drawingml/2006/main" xmlns:r="http://schemas.openxmlformats.org/officeDocument/2006/relationships" xmlns:p="http://schemas.openxmlformats.org/presentationml/2006/main">
-  <p:cSld>
-    <p:spTree>
-      <p:nvGrpSpPr>
-        <p:cNvPr id="1" name=""/>
-        <p:cNvGrpSpPr/>
-        <p:nvPr/>
-      </p:nvGrpSpPr>
-      <p:grpSpPr>
-        <a:xfrm>
-          <a:off x="0" y="0"/>
-          <a:ext cx="0" cy="0"/>
-          <a:chOff x="0" y="0"/>
-          <a:chExt cx="0" cy="0"/>
-        </a:xfrm>
-      </p:grpSpPr>
-      <p:sp>
-        <p:nvSpPr>
-          <p:cNvPr id="2" name="Title 1">
-            <a:extLst>
-              <a:ext uri="{FF2B5EF4-FFF2-40B4-BE49-F238E27FC236}">
-                <a16:creationId xmlns:a16="http://schemas.microsoft.com/office/drawing/2014/main" id="{B577FF04-4935-5C4A-98D8-25B6695714F0}"/>
-              </a:ext>
-            </a:extLst>
-          </p:cNvPr>
-          <p:cNvSpPr>
-            <a:spLocks noGrp="1"/>
-          </p:cNvSpPr>
-          <p:nvPr>
-            <p:ph type="title"/>
-          </p:nvPr>
-        </p:nvSpPr>
         <p:spPr>
           <a:xfrm>
             <a:off x="838200" y="237269"/>
-            <a:ext cx="10515600" cy="403360"/>
+            <a:ext cx="2355574" cy="403360"/>
           </a:xfrm>
         </p:spPr>
         <p:txBody>

--- a/Presentation2.pptx
+++ b/Presentation2.pptx
@@ -6061,6 +6061,144 @@
           </a:p>
         </p:txBody>
       </p:sp>
+      <p:sp>
+        <p:nvSpPr>
+          <p:cNvPr id="5" name="TextBox 4">
+            <a:extLst>
+              <a:ext uri="{FF2B5EF4-FFF2-40B4-BE49-F238E27FC236}">
+                <a16:creationId xmlns:a16="http://schemas.microsoft.com/office/drawing/2014/main" id="{882621DB-E5F4-074A-B61A-8E922D6181F6}"/>
+              </a:ext>
+            </a:extLst>
+          </p:cNvPr>
+          <p:cNvSpPr txBox="1"/>
+          <p:nvPr/>
+        </p:nvSpPr>
+        <p:spPr>
+          <a:xfrm>
+            <a:off x="815008" y="795130"/>
+            <a:ext cx="10886662" cy="1477328"/>
+          </a:xfrm>
+          <a:prstGeom prst="rect">
+            <a:avLst/>
+          </a:prstGeom>
+          <a:noFill/>
+        </p:spPr>
+        <p:txBody>
+          <a:bodyPr wrap="square" rtlCol="0">
+            <a:spAutoFit/>
+          </a:bodyPr>
+          <a:lstStyle/>
+          <a:p>
+            <a:r>
+              <a:rPr lang="en-US" dirty="0"/>
+              <a:t>Question answering over knowledge graph (QA-KG) aims to use facts in the knowledge graph (KG) to answer natural language questions. Even if the linked entities and relations to an underlying knowledge graph are given, finding the corresponding query that captures the true intention of the input question still remains a challenging task. </a:t>
+            </a:r>
+          </a:p>
+          <a:p>
+            <a:endParaRPr lang="en-US" dirty="0"/>
+          </a:p>
+        </p:txBody>
+      </p:sp>
+      <p:pic>
+        <p:nvPicPr>
+          <p:cNvPr id="9" name="Picture 8">
+            <a:extLst>
+              <a:ext uri="{FF2B5EF4-FFF2-40B4-BE49-F238E27FC236}">
+                <a16:creationId xmlns:a16="http://schemas.microsoft.com/office/drawing/2014/main" id="{40EB2B87-E402-F14D-A566-97536E76E44F}"/>
+              </a:ext>
+            </a:extLst>
+          </p:cNvPr>
+          <p:cNvPicPr>
+            <a:picLocks noChangeAspect="1"/>
+          </p:cNvPicPr>
+          <p:nvPr/>
+        </p:nvPicPr>
+        <p:blipFill>
+          <a:blip r:embed="rId2"/>
+          <a:stretch>
+            <a:fillRect/>
+          </a:stretch>
+        </p:blipFill>
+        <p:spPr>
+          <a:xfrm>
+            <a:off x="1050234" y="2272458"/>
+            <a:ext cx="9047922" cy="2691308"/>
+          </a:xfrm>
+          <a:prstGeom prst="rect">
+            <a:avLst/>
+          </a:prstGeom>
+        </p:spPr>
+      </p:pic>
+      <p:sp>
+        <p:nvSpPr>
+          <p:cNvPr id="10" name="TextBox 9">
+            <a:extLst>
+              <a:ext uri="{FF2B5EF4-FFF2-40B4-BE49-F238E27FC236}">
+                <a16:creationId xmlns:a16="http://schemas.microsoft.com/office/drawing/2014/main" id="{3F540BC1-D813-4748-A7F1-DBBF4557EC9C}"/>
+              </a:ext>
+            </a:extLst>
+          </p:cNvPr>
+          <p:cNvSpPr txBox="1"/>
+          <p:nvPr/>
+        </p:nvSpPr>
+        <p:spPr>
+          <a:xfrm>
+            <a:off x="2970144" y="5109361"/>
+            <a:ext cx="5524500" cy="276999"/>
+          </a:xfrm>
+          <a:prstGeom prst="rect">
+            <a:avLst/>
+          </a:prstGeom>
+          <a:noFill/>
+        </p:spPr>
+        <p:txBody>
+          <a:bodyPr wrap="square" rtlCol="0">
+            <a:spAutoFit/>
+          </a:bodyPr>
+          <a:lstStyle/>
+          <a:p>
+            <a:r>
+              <a:rPr lang="en-US" sz="1200" i="1" dirty="0"/>
+              <a:t>An example of QA-KG pipeline</a:t>
+            </a:r>
+          </a:p>
+        </p:txBody>
+      </p:sp>
+      <p:sp>
+        <p:nvSpPr>
+          <p:cNvPr id="11" name="TextBox 10">
+            <a:extLst>
+              <a:ext uri="{FF2B5EF4-FFF2-40B4-BE49-F238E27FC236}">
+                <a16:creationId xmlns:a16="http://schemas.microsoft.com/office/drawing/2014/main" id="{4EDF52BA-5BBD-CC46-A8B5-05B85B1E25BB}"/>
+              </a:ext>
+            </a:extLst>
+          </p:cNvPr>
+          <p:cNvSpPr txBox="1"/>
+          <p:nvPr/>
+        </p:nvSpPr>
+        <p:spPr>
+          <a:xfrm>
+            <a:off x="477078" y="6343732"/>
+            <a:ext cx="8123583" cy="276999"/>
+          </a:xfrm>
+          <a:prstGeom prst="rect">
+            <a:avLst/>
+          </a:prstGeom>
+          <a:noFill/>
+        </p:spPr>
+        <p:txBody>
+          <a:bodyPr wrap="square" rtlCol="0">
+            <a:spAutoFit/>
+          </a:bodyPr>
+          <a:lstStyle/>
+          <a:p>
+            <a:r>
+              <a:rPr lang="en-US" sz="1200" dirty="0"/>
+              <a:t>[Complex Query Augmentation for Question Answering over Knowledge Graphs, Hamid Zafar et al; 2019]</a:t>
+            </a:r>
+          </a:p>
+        </p:txBody>
+      </p:sp>
     </p:spTree>
     <p:extLst>
       <p:ext uri="{BB962C8B-B14F-4D97-AF65-F5344CB8AC3E}">
@@ -6109,7 +6247,7 @@
         </p:nvSpPr>
         <p:spPr>
           <a:xfrm>
-            <a:off x="838200" y="237269"/>
+            <a:off x="437323" y="158415"/>
             <a:ext cx="2355574" cy="403360"/>
           </a:xfrm>
         </p:spPr>
@@ -6141,14 +6279,14 @@
           <p:nvPr>
             <p:extLst>
               <p:ext uri="{D42A27DB-BD31-4B8C-83A1-F6EECF244321}">
-                <p14:modId xmlns:p14="http://schemas.microsoft.com/office/powerpoint/2010/main" val="1226406766"/>
+                <p14:modId xmlns:p14="http://schemas.microsoft.com/office/powerpoint/2010/main" val="3655328619"/>
               </p:ext>
             </p:extLst>
           </p:nvPr>
         </p:nvGraphicFramePr>
         <p:xfrm>
-          <a:off x="838200" y="768486"/>
-          <a:ext cx="10515600" cy="5125720"/>
+          <a:off x="437323" y="561775"/>
+          <a:ext cx="11396868" cy="5308600"/>
         </p:xfrm>
         <a:graphic>
           <a:graphicData uri="http://schemas.openxmlformats.org/drawingml/2006/table">
@@ -6157,14 +6295,14 @@
                 <a:tableStyleId>{5C22544A-7EE6-4342-B048-85BDC9FD1C3A}</a:tableStyleId>
               </a:tblPr>
               <a:tblGrid>
-                <a:gridCol w="5309681">
+                <a:gridCol w="5754663">
                   <a:extLst>
                     <a:ext uri="{9D8B030D-6E8A-4147-A177-3AD203B41FA5}">
                       <a16:colId xmlns:a16="http://schemas.microsoft.com/office/drawing/2014/main" val="83331442"/>
                     </a:ext>
                   </a:extLst>
                 </a:gridCol>
-                <a:gridCol w="5205919">
+                <a:gridCol w="5642205">
                   <a:extLst>
                     <a:ext uri="{9D8B030D-6E8A-4147-A177-3AD203B41FA5}">
                       <a16:colId xmlns:a16="http://schemas.microsoft.com/office/drawing/2014/main" val="397181805"/>
@@ -6638,6 +6776,36 @@
                         <a:t>Learning to Rank Query Graphs for Complex Question Answering over Knowledge Graphs (ISWC 2019)</a:t>
                       </a:r>
                     </a:p>
+                    <a:p>
+                      <a:pPr marL="285750" marR="0" lvl="0" indent="-285750" algn="l" defTabSz="914400" rtl="0" eaLnBrk="1" fontAlgn="auto" latinLnBrk="0" hangingPunct="1">
+                        <a:lnSpc>
+                          <a:spcPct val="100000"/>
+                        </a:lnSpc>
+                        <a:spcBef>
+                          <a:spcPts val="0"/>
+                        </a:spcBef>
+                        <a:spcAft>
+                          <a:spcPts val="0"/>
+                        </a:spcAft>
+                        <a:buClrTx/>
+                        <a:buSzTx/>
+                        <a:buFont typeface="Arial" panose="020B0604020202020204" pitchFamily="34" charset="0"/>
+                        <a:buChar char="•"/>
+                        <a:tabLst/>
+                        <a:defRPr/>
+                      </a:pPr>
+                      <a:r>
+                        <a:rPr lang="en-US" sz="1200" i="1" kern="1200" dirty="0">
+                          <a:solidFill>
+                            <a:schemeClr val="dk1"/>
+                          </a:solidFill>
+                          <a:latin typeface="+mn-lt"/>
+                          <a:ea typeface="+mn-ea"/>
+                          <a:cs typeface="+mn-cs"/>
+                        </a:rPr>
+                        <a:t>Formal Query Building with Query Structure Prediction for Complex Question Answering over Knowledge Base (IJCAI 2020)</a:t>
+                      </a:r>
+                    </a:p>
                   </a:txBody>
                   <a:tcPr/>
                 </a:tc>
@@ -6770,16 +6938,6 @@
                         </a:rPr>
                         <a:t>--- Numerical aggregators/rewrite expensive queries into a set of queries that each satisfy the fair use policy. </a:t>
                       </a:r>
-                    </a:p>
-                    <a:p>
-                      <a:endParaRPr lang="en-US" sz="1200" kern="1200" dirty="0">
-                        <a:solidFill>
-                          <a:schemeClr val="dk1"/>
-                        </a:solidFill>
-                        <a:latin typeface="+mn-lt"/>
-                        <a:ea typeface="+mn-ea"/>
-                        <a:cs typeface="+mn-cs"/>
-                      </a:endParaRPr>
                     </a:p>
                   </a:txBody>
                   <a:tcPr/>
